--- a/Static/Static magnetic field using higher order hierarchic H(curl).pptx
+++ b/Static/Static magnetic field using higher order hierarchic H(curl).pptx
@@ -11,6 +11,12 @@
     <p:sldId id="259" r:id="rId5"/>
     <p:sldId id="260" r:id="rId6"/>
     <p:sldId id="261" r:id="rId7"/>
+    <p:sldId id="262" r:id="rId8"/>
+    <p:sldId id="263" r:id="rId9"/>
+    <p:sldId id="264" r:id="rId10"/>
+    <p:sldId id="265" r:id="rId11"/>
+    <p:sldId id="266" r:id="rId12"/>
+    <p:sldId id="267" r:id="rId13"/>
   </p:sldIdLst>
   <p:sldSz cx="9144000" cy="6858000" type="screen4x3"/>
   <p:notesSz cx="6858000" cy="9144000"/>
@@ -294,7 +300,7 @@
             <a:fld id="{D8199882-DB0C-4CBB-A20B-E2080360D06F}" type="datetimeFigureOut">
               <a:rPr kumimoji="1" lang="ja-JP" altLang="en-US" smtClean="0"/>
               <a:pPr/>
-              <a:t>2025/8/24</a:t>
+              <a:t>2025/9/1</a:t>
             </a:fld>
             <a:endParaRPr kumimoji="1" lang="ja-JP" altLang="en-US"/>
           </a:p>
@@ -493,7 +499,7 @@
             <a:fld id="{D8199882-DB0C-4CBB-A20B-E2080360D06F}" type="datetimeFigureOut">
               <a:rPr kumimoji="1" lang="ja-JP" altLang="en-US" smtClean="0"/>
               <a:pPr/>
-              <a:t>2025/8/24</a:t>
+              <a:t>2025/9/1</a:t>
             </a:fld>
             <a:endParaRPr kumimoji="1" lang="ja-JP" altLang="en-US"/>
           </a:p>
@@ -702,7 +708,7 @@
             <a:fld id="{D8199882-DB0C-4CBB-A20B-E2080360D06F}" type="datetimeFigureOut">
               <a:rPr kumimoji="1" lang="ja-JP" altLang="en-US" smtClean="0"/>
               <a:pPr/>
-              <a:t>2025/8/24</a:t>
+              <a:t>2025/9/1</a:t>
             </a:fld>
             <a:endParaRPr kumimoji="1" lang="ja-JP" altLang="en-US"/>
           </a:p>
@@ -901,7 +907,7 @@
             <a:fld id="{D8199882-DB0C-4CBB-A20B-E2080360D06F}" type="datetimeFigureOut">
               <a:rPr kumimoji="1" lang="ja-JP" altLang="en-US" smtClean="0"/>
               <a:pPr/>
-              <a:t>2025/8/24</a:t>
+              <a:t>2025/9/1</a:t>
             </a:fld>
             <a:endParaRPr kumimoji="1" lang="ja-JP" altLang="en-US"/>
           </a:p>
@@ -1144,7 +1150,7 @@
             <a:fld id="{D8199882-DB0C-4CBB-A20B-E2080360D06F}" type="datetimeFigureOut">
               <a:rPr kumimoji="1" lang="ja-JP" altLang="en-US" smtClean="0"/>
               <a:pPr/>
-              <a:t>2025/8/24</a:t>
+              <a:t>2025/9/1</a:t>
             </a:fld>
             <a:endParaRPr kumimoji="1" lang="ja-JP" altLang="en-US"/>
           </a:p>
@@ -1493,7 +1499,7 @@
             <a:fld id="{D8199882-DB0C-4CBB-A20B-E2080360D06F}" type="datetimeFigureOut">
               <a:rPr kumimoji="1" lang="ja-JP" altLang="en-US" smtClean="0"/>
               <a:pPr/>
-              <a:t>2025/8/24</a:t>
+              <a:t>2025/9/1</a:t>
             </a:fld>
             <a:endParaRPr kumimoji="1" lang="ja-JP" altLang="en-US"/>
           </a:p>
@@ -1976,7 +1982,7 @@
             <a:fld id="{D8199882-DB0C-4CBB-A20B-E2080360D06F}" type="datetimeFigureOut">
               <a:rPr kumimoji="1" lang="ja-JP" altLang="en-US" smtClean="0"/>
               <a:pPr/>
-              <a:t>2025/8/24</a:t>
+              <a:t>2025/9/1</a:t>
             </a:fld>
             <a:endParaRPr kumimoji="1" lang="ja-JP" altLang="en-US"/>
           </a:p>
@@ -2091,7 +2097,7 @@
             <a:fld id="{D8199882-DB0C-4CBB-A20B-E2080360D06F}" type="datetimeFigureOut">
               <a:rPr kumimoji="1" lang="ja-JP" altLang="en-US" smtClean="0"/>
               <a:pPr/>
-              <a:t>2025/8/24</a:t>
+              <a:t>2025/9/1</a:t>
             </a:fld>
             <a:endParaRPr kumimoji="1" lang="ja-JP" altLang="en-US"/>
           </a:p>
@@ -2183,7 +2189,7 @@
             <a:fld id="{D8199882-DB0C-4CBB-A20B-E2080360D06F}" type="datetimeFigureOut">
               <a:rPr kumimoji="1" lang="ja-JP" altLang="en-US" smtClean="0"/>
               <a:pPr/>
-              <a:t>2025/8/24</a:t>
+              <a:t>2025/9/1</a:t>
             </a:fld>
             <a:endParaRPr kumimoji="1" lang="ja-JP" altLang="en-US"/>
           </a:p>
@@ -2489,7 +2495,7 @@
             <a:fld id="{D8199882-DB0C-4CBB-A20B-E2080360D06F}" type="datetimeFigureOut">
               <a:rPr kumimoji="1" lang="ja-JP" altLang="en-US" smtClean="0"/>
               <a:pPr/>
-              <a:t>2025/8/24</a:t>
+              <a:t>2025/9/1</a:t>
             </a:fld>
             <a:endParaRPr kumimoji="1" lang="ja-JP" altLang="en-US"/>
           </a:p>
@@ -2739,7 +2745,7 @@
             <a:fld id="{D8199882-DB0C-4CBB-A20B-E2080360D06F}" type="datetimeFigureOut">
               <a:rPr kumimoji="1" lang="ja-JP" altLang="en-US" smtClean="0"/>
               <a:pPr/>
-              <a:t>2025/8/24</a:t>
+              <a:t>2025/9/1</a:t>
             </a:fld>
             <a:endParaRPr kumimoji="1" lang="ja-JP" altLang="en-US"/>
           </a:p>
@@ -2981,7 +2987,7 @@
             <a:fld id="{D8199882-DB0C-4CBB-A20B-E2080360D06F}" type="datetimeFigureOut">
               <a:rPr kumimoji="1" lang="ja-JP" altLang="en-US" smtClean="0"/>
               <a:pPr/>
-              <a:t>2025/8/24</a:t>
+              <a:t>2025/9/1</a:t>
             </a:fld>
             <a:endParaRPr kumimoji="1" lang="ja-JP" altLang="en-US"/>
           </a:p>
@@ -3842,6 +3848,1032 @@
 </p:sld>
 </file>
 
+<file path=ppt/slides/slide10.xml><?xml version="1.0" encoding="utf-8"?>
+<p:sld xmlns:a="http://schemas.openxmlformats.org/drawingml/2006/main" xmlns:r="http://schemas.openxmlformats.org/officeDocument/2006/relationships" xmlns:p="http://schemas.openxmlformats.org/presentationml/2006/main">
+  <p:cSld>
+    <p:spTree>
+      <p:nvGrpSpPr>
+        <p:cNvPr id="1" name=""/>
+        <p:cNvGrpSpPr/>
+        <p:nvPr/>
+      </p:nvGrpSpPr>
+      <p:grpSpPr>
+        <a:xfrm>
+          <a:off x="0" y="0"/>
+          <a:ext cx="0" cy="0"/>
+          <a:chOff x="0" y="0"/>
+          <a:chExt cx="0" cy="0"/>
+        </a:xfrm>
+      </p:grpSpPr>
+      <p:sp>
+        <p:nvSpPr>
+          <p:cNvPr id="2" name="タイトル 1"/>
+          <p:cNvSpPr>
+            <a:spLocks noGrp="1"/>
+          </p:cNvSpPr>
+          <p:nvPr>
+            <p:ph type="title"/>
+          </p:nvPr>
+        </p:nvSpPr>
+        <p:spPr/>
+        <p:txBody>
+          <a:bodyPr/>
+          <a:lstStyle/>
+          <a:p>
+            <a:r>
+              <a:rPr kumimoji="1" lang="en-US" altLang="ja-JP" dirty="0" smtClean="0"/>
+              <a:t>A-</a:t>
+            </a:r>
+            <a:r>
+              <a:rPr kumimoji="1" lang="en-US" altLang="ja-JP" dirty="0" err="1" smtClean="0"/>
+              <a:t>Ar</a:t>
+            </a:r>
+            <a:r>
+              <a:rPr kumimoji="1" lang="ja-JP" altLang="en-US" dirty="0" smtClean="0"/>
+              <a:t>法と</a:t>
+            </a:r>
+            <a:r>
+              <a:rPr kumimoji="1" lang="en-US" altLang="ja-JP" dirty="0" smtClean="0"/>
+              <a:t>A-</a:t>
+            </a:r>
+            <a:r>
+              <a:rPr kumimoji="1" lang="en-US" altLang="ja-JP" dirty="0" err="1" smtClean="0"/>
+              <a:t>Ωr</a:t>
+            </a:r>
+            <a:r>
+              <a:rPr kumimoji="1" lang="ja-JP" altLang="en-US" dirty="0" smtClean="0"/>
+              <a:t>法</a:t>
+            </a:r>
+            <a:endParaRPr kumimoji="1" lang="ja-JP" altLang="en-US" dirty="0"/>
+          </a:p>
+        </p:txBody>
+      </p:sp>
+      <p:pic>
+        <p:nvPicPr>
+          <p:cNvPr id="1027" name="Picture 3"/>
+          <p:cNvPicPr>
+            <a:picLocks noChangeAspect="1" noChangeArrowheads="1"/>
+          </p:cNvPicPr>
+          <p:nvPr/>
+        </p:nvPicPr>
+        <p:blipFill>
+          <a:blip r:embed="rId2" cstate="print"/>
+          <a:srcRect/>
+          <a:stretch>
+            <a:fillRect/>
+          </a:stretch>
+        </p:blipFill>
+        <p:spPr bwMode="auto">
+          <a:xfrm>
+            <a:off x="899593" y="3576157"/>
+            <a:ext cx="3240360" cy="2373123"/>
+          </a:xfrm>
+          <a:prstGeom prst="rect">
+            <a:avLst/>
+          </a:prstGeom>
+          <a:noFill/>
+          <a:ln w="9525">
+            <a:noFill/>
+            <a:miter lim="800000"/>
+            <a:headEnd/>
+            <a:tailEnd/>
+          </a:ln>
+          <a:effectLst/>
+        </p:spPr>
+      </p:pic>
+      <p:pic>
+        <p:nvPicPr>
+          <p:cNvPr id="1028" name="Picture 4"/>
+          <p:cNvPicPr>
+            <a:picLocks noGrp="1" noChangeAspect="1" noChangeArrowheads="1"/>
+          </p:cNvPicPr>
+          <p:nvPr>
+            <p:ph idx="1"/>
+          </p:nvPr>
+        </p:nvPicPr>
+        <p:blipFill>
+          <a:blip r:embed="rId3" cstate="print"/>
+          <a:srcRect/>
+          <a:stretch>
+            <a:fillRect/>
+          </a:stretch>
+        </p:blipFill>
+        <p:spPr bwMode="auto">
+          <a:xfrm>
+            <a:off x="4427984" y="3645024"/>
+            <a:ext cx="3264251" cy="2334626"/>
+          </a:xfrm>
+          <a:prstGeom prst="rect">
+            <a:avLst/>
+          </a:prstGeom>
+          <a:noFill/>
+          <a:ln w="9525">
+            <a:noFill/>
+            <a:miter lim="800000"/>
+            <a:headEnd/>
+            <a:tailEnd/>
+          </a:ln>
+          <a:effectLst/>
+        </p:spPr>
+      </p:pic>
+      <p:pic>
+        <p:nvPicPr>
+          <p:cNvPr id="1029" name="Picture 5"/>
+          <p:cNvPicPr>
+            <a:picLocks noChangeAspect="1" noChangeArrowheads="1"/>
+          </p:cNvPicPr>
+          <p:nvPr/>
+        </p:nvPicPr>
+        <p:blipFill>
+          <a:blip r:embed="rId4" cstate="print"/>
+          <a:srcRect/>
+          <a:stretch>
+            <a:fillRect/>
+          </a:stretch>
+        </p:blipFill>
+        <p:spPr bwMode="auto">
+          <a:xfrm>
+            <a:off x="5004048" y="2852936"/>
+            <a:ext cx="936104" cy="911999"/>
+          </a:xfrm>
+          <a:prstGeom prst="rect">
+            <a:avLst/>
+          </a:prstGeom>
+          <a:noFill/>
+          <a:ln w="9525">
+            <a:noFill/>
+            <a:miter lim="800000"/>
+            <a:headEnd/>
+            <a:tailEnd/>
+          </a:ln>
+          <a:effectLst/>
+        </p:spPr>
+      </p:pic>
+      <p:pic>
+        <p:nvPicPr>
+          <p:cNvPr id="1030" name="Picture 6"/>
+          <p:cNvPicPr>
+            <a:picLocks noChangeAspect="1" noChangeArrowheads="1"/>
+          </p:cNvPicPr>
+          <p:nvPr/>
+        </p:nvPicPr>
+        <p:blipFill>
+          <a:blip r:embed="rId5" cstate="print"/>
+          <a:srcRect/>
+          <a:stretch>
+            <a:fillRect/>
+          </a:stretch>
+        </p:blipFill>
+        <p:spPr bwMode="auto">
+          <a:xfrm>
+            <a:off x="6012160" y="2852936"/>
+            <a:ext cx="936104" cy="842785"/>
+          </a:xfrm>
+          <a:prstGeom prst="rect">
+            <a:avLst/>
+          </a:prstGeom>
+          <a:noFill/>
+          <a:ln w="9525">
+            <a:noFill/>
+            <a:miter lim="800000"/>
+            <a:headEnd/>
+            <a:tailEnd/>
+          </a:ln>
+          <a:effectLst/>
+        </p:spPr>
+      </p:pic>
+      <p:pic>
+        <p:nvPicPr>
+          <p:cNvPr id="1031" name="Picture 7"/>
+          <p:cNvPicPr>
+            <a:picLocks noChangeAspect="1" noChangeArrowheads="1"/>
+          </p:cNvPicPr>
+          <p:nvPr/>
+        </p:nvPicPr>
+        <p:blipFill>
+          <a:blip r:embed="rId6" cstate="print"/>
+          <a:srcRect/>
+          <a:stretch>
+            <a:fillRect/>
+          </a:stretch>
+        </p:blipFill>
+        <p:spPr bwMode="auto">
+          <a:xfrm>
+            <a:off x="1691681" y="1268760"/>
+            <a:ext cx="2088232" cy="2127485"/>
+          </a:xfrm>
+          <a:prstGeom prst="rect">
+            <a:avLst/>
+          </a:prstGeom>
+          <a:noFill/>
+          <a:ln w="9525">
+            <a:noFill/>
+            <a:miter lim="800000"/>
+            <a:headEnd/>
+            <a:tailEnd/>
+          </a:ln>
+          <a:effectLst/>
+        </p:spPr>
+      </p:pic>
+      <p:pic>
+        <p:nvPicPr>
+          <p:cNvPr id="1032" name="Picture 8"/>
+          <p:cNvPicPr>
+            <a:picLocks noChangeAspect="1" noChangeArrowheads="1"/>
+          </p:cNvPicPr>
+          <p:nvPr/>
+        </p:nvPicPr>
+        <p:blipFill>
+          <a:blip r:embed="rId7" cstate="print"/>
+          <a:srcRect/>
+          <a:stretch>
+            <a:fillRect/>
+          </a:stretch>
+        </p:blipFill>
+        <p:spPr bwMode="auto">
+          <a:xfrm>
+            <a:off x="2699792" y="1340768"/>
+            <a:ext cx="1653927" cy="422922"/>
+          </a:xfrm>
+          <a:prstGeom prst="rect">
+            <a:avLst/>
+          </a:prstGeom>
+          <a:noFill/>
+          <a:ln w="9525">
+            <a:noFill/>
+            <a:miter lim="800000"/>
+            <a:headEnd/>
+            <a:tailEnd/>
+          </a:ln>
+          <a:effectLst/>
+        </p:spPr>
+      </p:pic>
+      <p:sp>
+        <p:nvSpPr>
+          <p:cNvPr id="12" name="テキスト ボックス 11"/>
+          <p:cNvSpPr txBox="1"/>
+          <p:nvPr/>
+        </p:nvSpPr>
+        <p:spPr>
+          <a:xfrm>
+            <a:off x="4860032" y="1484784"/>
+            <a:ext cx="2880320" cy="646331"/>
+          </a:xfrm>
+          <a:prstGeom prst="rect">
+            <a:avLst/>
+          </a:prstGeom>
+          <a:noFill/>
+        </p:spPr>
+        <p:txBody>
+          <a:bodyPr wrap="square" rtlCol="0">
+            <a:spAutoFit/>
+          </a:bodyPr>
+          <a:lstStyle/>
+          <a:p>
+            <a:r>
+              <a:rPr kumimoji="1" lang="ja-JP" altLang="en-US" dirty="0" smtClean="0"/>
+              <a:t>同じ計算時間で</a:t>
+            </a:r>
+            <a:r>
+              <a:rPr kumimoji="1" lang="en-US" altLang="ja-JP" dirty="0" smtClean="0"/>
+              <a:t>A-</a:t>
+            </a:r>
+            <a:r>
+              <a:rPr kumimoji="1" lang="en-US" altLang="ja-JP" dirty="0" err="1" smtClean="0"/>
+              <a:t>Ωr</a:t>
+            </a:r>
+            <a:r>
+              <a:rPr kumimoji="1" lang="ja-JP" altLang="en-US" dirty="0" smtClean="0"/>
+              <a:t>法の方が一桁ほど</a:t>
+            </a:r>
+            <a:r>
+              <a:rPr lang="ja-JP" altLang="en-US" dirty="0" smtClean="0"/>
+              <a:t>精度が良い！</a:t>
+            </a:r>
+            <a:endParaRPr kumimoji="1" lang="ja-JP" altLang="en-US" dirty="0"/>
+          </a:p>
+        </p:txBody>
+      </p:sp>
+      <p:sp>
+        <p:nvSpPr>
+          <p:cNvPr id="13" name="テキスト ボックス 12"/>
+          <p:cNvSpPr txBox="1"/>
+          <p:nvPr/>
+        </p:nvSpPr>
+        <p:spPr>
+          <a:xfrm>
+            <a:off x="1835696" y="5877272"/>
+            <a:ext cx="2160240" cy="369332"/>
+          </a:xfrm>
+          <a:prstGeom prst="rect">
+            <a:avLst/>
+          </a:prstGeom>
+          <a:noFill/>
+        </p:spPr>
+        <p:txBody>
+          <a:bodyPr wrap="square" rtlCol="0">
+            <a:spAutoFit/>
+          </a:bodyPr>
+          <a:lstStyle/>
+          <a:p>
+            <a:r>
+              <a:rPr kumimoji="1" lang="en-US" altLang="ja-JP" dirty="0" err="1" smtClean="0"/>
+              <a:t>Bz</a:t>
+            </a:r>
+            <a:r>
+              <a:rPr kumimoji="1" lang="en-US" altLang="ja-JP" dirty="0" smtClean="0"/>
+              <a:t> at cube center</a:t>
+            </a:r>
+            <a:endParaRPr kumimoji="1" lang="ja-JP" altLang="en-US" dirty="0"/>
+          </a:p>
+        </p:txBody>
+      </p:sp>
+      <p:sp>
+        <p:nvSpPr>
+          <p:cNvPr id="14" name="テキスト ボックス 13"/>
+          <p:cNvSpPr txBox="1"/>
+          <p:nvPr/>
+        </p:nvSpPr>
+        <p:spPr>
+          <a:xfrm>
+            <a:off x="5004048" y="5949280"/>
+            <a:ext cx="2664296" cy="369332"/>
+          </a:xfrm>
+          <a:prstGeom prst="rect">
+            <a:avLst/>
+          </a:prstGeom>
+          <a:noFill/>
+        </p:spPr>
+        <p:txBody>
+          <a:bodyPr wrap="square" rtlCol="0">
+            <a:spAutoFit/>
+          </a:bodyPr>
+          <a:lstStyle/>
+          <a:p>
+            <a:r>
+              <a:rPr kumimoji="1" lang="en-US" altLang="ja-JP" smtClean="0"/>
+              <a:t>Magnetic energy in cube</a:t>
+            </a:r>
+            <a:endParaRPr kumimoji="1" lang="ja-JP" altLang="en-US" dirty="0"/>
+          </a:p>
+        </p:txBody>
+      </p:sp>
+      <p:cxnSp>
+        <p:nvCxnSpPr>
+          <p:cNvPr id="16" name="直線矢印コネクタ 15"/>
+          <p:cNvCxnSpPr/>
+          <p:nvPr/>
+        </p:nvCxnSpPr>
+        <p:spPr>
+          <a:xfrm flipH="1">
+            <a:off x="5364088" y="3789040"/>
+            <a:ext cx="72008" cy="432048"/>
+          </a:xfrm>
+          <a:prstGeom prst="straightConnector1">
+            <a:avLst/>
+          </a:prstGeom>
+          <a:ln>
+            <a:tailEnd type="arrow"/>
+          </a:ln>
+        </p:spPr>
+        <p:style>
+          <a:lnRef idx="2">
+            <a:schemeClr val="dk1"/>
+          </a:lnRef>
+          <a:fillRef idx="0">
+            <a:schemeClr val="dk1"/>
+          </a:fillRef>
+          <a:effectRef idx="1">
+            <a:schemeClr val="dk1"/>
+          </a:effectRef>
+          <a:fontRef idx="minor">
+            <a:schemeClr val="tx1"/>
+          </a:fontRef>
+        </p:style>
+      </p:cxnSp>
+      <p:cxnSp>
+        <p:nvCxnSpPr>
+          <p:cNvPr id="17" name="直線矢印コネクタ 16"/>
+          <p:cNvCxnSpPr/>
+          <p:nvPr/>
+        </p:nvCxnSpPr>
+        <p:spPr>
+          <a:xfrm>
+            <a:off x="6588224" y="3789040"/>
+            <a:ext cx="72008" cy="720080"/>
+          </a:xfrm>
+          <a:prstGeom prst="straightConnector1">
+            <a:avLst/>
+          </a:prstGeom>
+          <a:ln>
+            <a:tailEnd type="arrow"/>
+          </a:ln>
+        </p:spPr>
+        <p:style>
+          <a:lnRef idx="2">
+            <a:schemeClr val="dk1"/>
+          </a:lnRef>
+          <a:fillRef idx="0">
+            <a:schemeClr val="dk1"/>
+          </a:fillRef>
+          <a:effectRef idx="1">
+            <a:schemeClr val="dk1"/>
+          </a:effectRef>
+          <a:fontRef idx="minor">
+            <a:schemeClr val="tx1"/>
+          </a:fontRef>
+        </p:style>
+      </p:cxnSp>
+    </p:spTree>
+  </p:cSld>
+  <p:clrMapOvr>
+    <a:masterClrMapping/>
+  </p:clrMapOvr>
+</p:sld>
+</file>
+
+<file path=ppt/slides/slide11.xml><?xml version="1.0" encoding="utf-8"?>
+<p:sld xmlns:a="http://schemas.openxmlformats.org/drawingml/2006/main" xmlns:r="http://schemas.openxmlformats.org/officeDocument/2006/relationships" xmlns:p="http://schemas.openxmlformats.org/presentationml/2006/main">
+  <p:cSld>
+    <p:spTree>
+      <p:nvGrpSpPr>
+        <p:cNvPr id="1" name=""/>
+        <p:cNvGrpSpPr/>
+        <p:nvPr/>
+      </p:nvGrpSpPr>
+      <p:grpSpPr>
+        <a:xfrm>
+          <a:off x="0" y="0"/>
+          <a:ext cx="0" cy="0"/>
+          <a:chOff x="0" y="0"/>
+          <a:chExt cx="0" cy="0"/>
+        </a:xfrm>
+      </p:grpSpPr>
+      <p:sp>
+        <p:nvSpPr>
+          <p:cNvPr id="2" name="タイトル 1"/>
+          <p:cNvSpPr>
+            <a:spLocks noGrp="1"/>
+          </p:cNvSpPr>
+          <p:nvPr>
+            <p:ph type="title"/>
+          </p:nvPr>
+        </p:nvSpPr>
+        <p:spPr/>
+        <p:txBody>
+          <a:bodyPr>
+            <a:normAutofit fontScale="90000"/>
+          </a:bodyPr>
+          <a:lstStyle/>
+          <a:p>
+            <a:pPr algn="l"/>
+            <a:r>
+              <a:rPr kumimoji="1" lang="en-US" altLang="ja-JP" dirty="0" smtClean="0"/>
+              <a:t>Adaptive meshing (Ω-</a:t>
+            </a:r>
+            <a:r>
+              <a:rPr lang="en-US" altLang="ja-JP" dirty="0" smtClean="0"/>
+              <a:t>Ω</a:t>
+            </a:r>
+            <a:r>
+              <a:rPr lang="ja-JP" altLang="en-US" dirty="0" err="1" smtClean="0"/>
+              <a:t>ｒ</a:t>
+            </a:r>
+            <a:r>
+              <a:rPr lang="ja-JP" altLang="en-US" dirty="0" smtClean="0"/>
+              <a:t>法）</a:t>
+            </a:r>
+            <a:r>
+              <a:rPr lang="en-US" altLang="ja-JP" dirty="0" smtClean="0"/>
+              <a:t/>
+            </a:r>
+            <a:br>
+              <a:rPr lang="en-US" altLang="ja-JP" dirty="0" smtClean="0"/>
+            </a:br>
+            <a:r>
+              <a:rPr lang="en-US" altLang="ja-JP" dirty="0" smtClean="0"/>
+              <a:t>	                              </a:t>
+            </a:r>
+            <a:r>
+              <a:rPr lang="en-US" altLang="ja-JP" sz="2700" dirty="0" err="1" smtClean="0"/>
+              <a:t>feOrder</a:t>
+            </a:r>
+            <a:r>
+              <a:rPr lang="en-US" altLang="ja-JP" sz="2700" dirty="0" smtClean="0"/>
+              <a:t>=3</a:t>
+            </a:r>
+            <a:endParaRPr kumimoji="1" lang="ja-JP" altLang="en-US" dirty="0"/>
+          </a:p>
+        </p:txBody>
+      </p:sp>
+      <p:pic>
+        <p:nvPicPr>
+          <p:cNvPr id="4" name="図 3"/>
+          <p:cNvPicPr>
+            <a:picLocks noChangeAspect="1"/>
+          </p:cNvPicPr>
+          <p:nvPr/>
+        </p:nvPicPr>
+        <p:blipFill>
+          <a:blip r:embed="rId2" cstate="print"/>
+          <a:stretch>
+            <a:fillRect/>
+          </a:stretch>
+        </p:blipFill>
+        <p:spPr>
+          <a:xfrm>
+            <a:off x="1115616" y="1603422"/>
+            <a:ext cx="3668312" cy="3409753"/>
+          </a:xfrm>
+          <a:prstGeom prst="rect">
+            <a:avLst/>
+          </a:prstGeom>
+        </p:spPr>
+      </p:pic>
+      <p:pic>
+        <p:nvPicPr>
+          <p:cNvPr id="5" name="図 4"/>
+          <p:cNvPicPr>
+            <a:picLocks noChangeAspect="1"/>
+          </p:cNvPicPr>
+          <p:nvPr/>
+        </p:nvPicPr>
+        <p:blipFill>
+          <a:blip r:embed="rId3" cstate="print"/>
+          <a:stretch>
+            <a:fillRect/>
+          </a:stretch>
+        </p:blipFill>
+        <p:spPr>
+          <a:xfrm>
+            <a:off x="4999978" y="1556792"/>
+            <a:ext cx="3604469" cy="3673659"/>
+          </a:xfrm>
+          <a:prstGeom prst="rect">
+            <a:avLst/>
+          </a:prstGeom>
+        </p:spPr>
+      </p:pic>
+      <p:sp>
+        <p:nvSpPr>
+          <p:cNvPr id="6" name="テキスト ボックス 5"/>
+          <p:cNvSpPr txBox="1"/>
+          <p:nvPr/>
+        </p:nvSpPr>
+        <p:spPr>
+          <a:xfrm>
+            <a:off x="971600" y="5373216"/>
+            <a:ext cx="3240360" cy="923330"/>
+          </a:xfrm>
+          <a:prstGeom prst="rect">
+            <a:avLst/>
+          </a:prstGeom>
+          <a:noFill/>
+        </p:spPr>
+        <p:txBody>
+          <a:bodyPr wrap="square" rtlCol="0">
+            <a:spAutoFit/>
+          </a:bodyPr>
+          <a:lstStyle/>
+          <a:p>
+            <a:r>
+              <a:rPr kumimoji="1" lang="en-US" altLang="ja-JP" dirty="0" smtClean="0"/>
+              <a:t>Initial Mesh</a:t>
+            </a:r>
+          </a:p>
+          <a:p>
+            <a:r>
+              <a:rPr kumimoji="1" lang="en-US" altLang="ja-JP" dirty="0" smtClean="0"/>
+              <a:t>Ne=150, </a:t>
+            </a:r>
+            <a:r>
+              <a:rPr kumimoji="1" lang="en-US" altLang="ja-JP" dirty="0" err="1" smtClean="0"/>
+              <a:t>Ndof</a:t>
+            </a:r>
+            <a:r>
+              <a:rPr kumimoji="1" lang="en-US" altLang="ja-JP" dirty="0" smtClean="0"/>
+              <a:t>=783,</a:t>
+            </a:r>
+            <a:r>
+              <a:rPr lang="en-US" altLang="ja-JP" dirty="0" smtClean="0"/>
+              <a:t>Nnonzero=26111</a:t>
+            </a:r>
+            <a:endParaRPr kumimoji="1" lang="en-US" altLang="ja-JP" dirty="0" smtClean="0"/>
+          </a:p>
+        </p:txBody>
+      </p:sp>
+      <p:sp>
+        <p:nvSpPr>
+          <p:cNvPr id="7" name="テキスト ボックス 6"/>
+          <p:cNvSpPr txBox="1"/>
+          <p:nvPr/>
+        </p:nvSpPr>
+        <p:spPr>
+          <a:xfrm>
+            <a:off x="4932040" y="5445224"/>
+            <a:ext cx="3240360" cy="923330"/>
+          </a:xfrm>
+          <a:prstGeom prst="rect">
+            <a:avLst/>
+          </a:prstGeom>
+          <a:noFill/>
+        </p:spPr>
+        <p:txBody>
+          <a:bodyPr wrap="square" rtlCol="0">
+            <a:spAutoFit/>
+          </a:bodyPr>
+          <a:lstStyle/>
+          <a:p>
+            <a:r>
+              <a:rPr kumimoji="1" lang="en-US" altLang="ja-JP" dirty="0" smtClean="0"/>
+              <a:t>Mesh after 10 Refinement</a:t>
+            </a:r>
+          </a:p>
+          <a:p>
+            <a:r>
+              <a:rPr lang="en-US" altLang="ja-JP" dirty="0" smtClean="0"/>
+              <a:t>Ne=243903, </a:t>
+            </a:r>
+            <a:r>
+              <a:rPr lang="en-US" altLang="ja-JP" dirty="0" err="1" smtClean="0"/>
+              <a:t>Ndof</a:t>
+            </a:r>
+            <a:r>
+              <a:rPr lang="en-US" altLang="ja-JP" dirty="0" smtClean="0"/>
+              <a:t>=1108002</a:t>
+            </a:r>
+            <a:r>
+              <a:rPr lang="en-US" altLang="ja-JP" dirty="0" smtClean="0"/>
+              <a:t>,</a:t>
+            </a:r>
+          </a:p>
+          <a:p>
+            <a:r>
+              <a:rPr lang="en-US" altLang="ja-JP" dirty="0" err="1" smtClean="0"/>
+              <a:t>Nnonzero</a:t>
+            </a:r>
+            <a:r>
+              <a:rPr lang="en-US" altLang="ja-JP" dirty="0" smtClean="0"/>
+              <a:t>=53237796</a:t>
+            </a:r>
+            <a:endParaRPr kumimoji="1" lang="en-US" altLang="ja-JP" dirty="0" smtClean="0"/>
+          </a:p>
+        </p:txBody>
+      </p:sp>
+    </p:spTree>
+  </p:cSld>
+  <p:clrMapOvr>
+    <a:masterClrMapping/>
+  </p:clrMapOvr>
+</p:sld>
+</file>
+
+<file path=ppt/slides/slide12.xml><?xml version="1.0" encoding="utf-8"?>
+<p:sld xmlns:a="http://schemas.openxmlformats.org/drawingml/2006/main" xmlns:r="http://schemas.openxmlformats.org/officeDocument/2006/relationships" xmlns:p="http://schemas.openxmlformats.org/presentationml/2006/main">
+  <p:cSld>
+    <p:spTree>
+      <p:nvGrpSpPr>
+        <p:cNvPr id="1" name=""/>
+        <p:cNvGrpSpPr/>
+        <p:nvPr/>
+      </p:nvGrpSpPr>
+      <p:grpSpPr>
+        <a:xfrm>
+          <a:off x="0" y="0"/>
+          <a:ext cx="0" cy="0"/>
+          <a:chOff x="0" y="0"/>
+          <a:chExt cx="0" cy="0"/>
+        </a:xfrm>
+      </p:grpSpPr>
+      <p:sp>
+        <p:nvSpPr>
+          <p:cNvPr id="2" name="タイトル 1"/>
+          <p:cNvSpPr>
+            <a:spLocks noGrp="1"/>
+          </p:cNvSpPr>
+          <p:nvPr>
+            <p:ph type="title"/>
+          </p:nvPr>
+        </p:nvSpPr>
+        <p:spPr/>
+        <p:txBody>
+          <a:bodyPr>
+            <a:normAutofit fontScale="90000"/>
+          </a:bodyPr>
+          <a:lstStyle/>
+          <a:p>
+            <a:r>
+              <a:rPr lang="en-US" altLang="ja-JP" dirty="0" smtClean="0"/>
+              <a:t>Adaptive meshing (Ω-Ω</a:t>
+            </a:r>
+            <a:r>
+              <a:rPr lang="ja-JP" altLang="en-US" dirty="0" err="1" smtClean="0"/>
+              <a:t>ｒ</a:t>
+            </a:r>
+            <a:r>
+              <a:rPr lang="ja-JP" altLang="en-US" dirty="0" smtClean="0"/>
+              <a:t>法）</a:t>
+            </a:r>
+            <a:r>
+              <a:rPr lang="en-US" altLang="ja-JP" dirty="0" smtClean="0"/>
+              <a:t/>
+            </a:r>
+            <a:br>
+              <a:rPr lang="en-US" altLang="ja-JP" dirty="0" smtClean="0"/>
+            </a:br>
+            <a:r>
+              <a:rPr lang="en-US" altLang="ja-JP" dirty="0" smtClean="0"/>
+              <a:t>	                              </a:t>
+            </a:r>
+            <a:r>
+              <a:rPr lang="en-US" altLang="ja-JP" sz="2700" dirty="0" err="1" smtClean="0"/>
+              <a:t>feOrder</a:t>
+            </a:r>
+            <a:r>
+              <a:rPr lang="en-US" altLang="ja-JP" sz="2700" dirty="0" smtClean="0"/>
+              <a:t>=3</a:t>
+            </a:r>
+            <a:endParaRPr kumimoji="1" lang="ja-JP" altLang="en-US" dirty="0"/>
+          </a:p>
+        </p:txBody>
+      </p:sp>
+      <p:pic>
+        <p:nvPicPr>
+          <p:cNvPr id="1026" name="Picture 2"/>
+          <p:cNvPicPr>
+            <a:picLocks noChangeAspect="1" noChangeArrowheads="1"/>
+          </p:cNvPicPr>
+          <p:nvPr/>
+        </p:nvPicPr>
+        <p:blipFill>
+          <a:blip r:embed="rId3" cstate="print"/>
+          <a:srcRect/>
+          <a:stretch>
+            <a:fillRect/>
+          </a:stretch>
+        </p:blipFill>
+        <p:spPr bwMode="auto">
+          <a:xfrm>
+            <a:off x="971600" y="1720650"/>
+            <a:ext cx="2736304" cy="1918743"/>
+          </a:xfrm>
+          <a:prstGeom prst="rect">
+            <a:avLst/>
+          </a:prstGeom>
+          <a:noFill/>
+          <a:ln w="9525">
+            <a:noFill/>
+            <a:miter lim="800000"/>
+            <a:headEnd/>
+            <a:tailEnd/>
+          </a:ln>
+          <a:effectLst/>
+        </p:spPr>
+      </p:pic>
+      <p:pic>
+        <p:nvPicPr>
+          <p:cNvPr id="1027" name="Picture 3"/>
+          <p:cNvPicPr>
+            <a:picLocks noChangeAspect="1" noChangeArrowheads="1"/>
+          </p:cNvPicPr>
+          <p:nvPr/>
+        </p:nvPicPr>
+        <p:blipFill>
+          <a:blip r:embed="rId4" cstate="print"/>
+          <a:srcRect/>
+          <a:stretch>
+            <a:fillRect/>
+          </a:stretch>
+        </p:blipFill>
+        <p:spPr bwMode="auto">
+          <a:xfrm>
+            <a:off x="4283968" y="1628800"/>
+            <a:ext cx="2919670" cy="1997782"/>
+          </a:xfrm>
+          <a:prstGeom prst="rect">
+            <a:avLst/>
+          </a:prstGeom>
+          <a:noFill/>
+          <a:ln w="9525">
+            <a:noFill/>
+            <a:miter lim="800000"/>
+            <a:headEnd/>
+            <a:tailEnd/>
+          </a:ln>
+          <a:effectLst/>
+        </p:spPr>
+      </p:pic>
+      <p:pic>
+        <p:nvPicPr>
+          <p:cNvPr id="1028" name="Picture 4"/>
+          <p:cNvPicPr>
+            <a:picLocks noChangeAspect="1" noChangeArrowheads="1"/>
+          </p:cNvPicPr>
+          <p:nvPr/>
+        </p:nvPicPr>
+        <p:blipFill>
+          <a:blip r:embed="rId5" cstate="print"/>
+          <a:srcRect/>
+          <a:stretch>
+            <a:fillRect/>
+          </a:stretch>
+        </p:blipFill>
+        <p:spPr bwMode="auto">
+          <a:xfrm>
+            <a:off x="4355976" y="4149080"/>
+            <a:ext cx="2808312" cy="1947585"/>
+          </a:xfrm>
+          <a:prstGeom prst="rect">
+            <a:avLst/>
+          </a:prstGeom>
+          <a:noFill/>
+          <a:ln w="9525">
+            <a:noFill/>
+            <a:miter lim="800000"/>
+            <a:headEnd/>
+            <a:tailEnd/>
+          </a:ln>
+          <a:effectLst/>
+        </p:spPr>
+      </p:pic>
+      <p:sp>
+        <p:nvSpPr>
+          <p:cNvPr id="10" name="テキスト ボックス 9"/>
+          <p:cNvSpPr txBox="1"/>
+          <p:nvPr/>
+        </p:nvSpPr>
+        <p:spPr>
+          <a:xfrm>
+            <a:off x="611560" y="5877272"/>
+            <a:ext cx="3024336" cy="461665"/>
+          </a:xfrm>
+          <a:prstGeom prst="rect">
+            <a:avLst/>
+          </a:prstGeom>
+          <a:noFill/>
+        </p:spPr>
+        <p:txBody>
+          <a:bodyPr wrap="square" rtlCol="0">
+            <a:spAutoFit/>
+          </a:bodyPr>
+          <a:lstStyle/>
+          <a:p>
+            <a:r>
+              <a:rPr lang="ja-JP" altLang="en-US" sz="1200" dirty="0" smtClean="0"/>
+              <a:t>評価点</a:t>
+            </a:r>
+            <a:r>
+              <a:rPr lang="en-US" altLang="ja-JP" sz="1200" dirty="0" smtClean="0"/>
+              <a:t>(0,0,0)</a:t>
+            </a:r>
+            <a:r>
+              <a:rPr lang="ja-JP" altLang="en-US" sz="1200" dirty="0" smtClean="0"/>
+              <a:t>近傍</a:t>
+            </a:r>
+            <a:r>
+              <a:rPr lang="ja-JP" altLang="en-US" sz="1200" dirty="0" smtClean="0"/>
+              <a:t>は細分割されない。</a:t>
+            </a:r>
+            <a:endParaRPr lang="en-US" altLang="ja-JP" sz="1200" dirty="0" smtClean="0"/>
+          </a:p>
+          <a:p>
+            <a:r>
+              <a:rPr lang="ja-JP" altLang="en-US" sz="1200" dirty="0" smtClean="0"/>
+              <a:t>磁場は一様で誤差が小さいと評価される。</a:t>
+            </a:r>
+            <a:endParaRPr kumimoji="1" lang="ja-JP" altLang="en-US" sz="1200" dirty="0"/>
+          </a:p>
+        </p:txBody>
+      </p:sp>
+      <p:sp>
+        <p:nvSpPr>
+          <p:cNvPr id="11" name="テキスト ボックス 10"/>
+          <p:cNvSpPr txBox="1"/>
+          <p:nvPr/>
+        </p:nvSpPr>
+        <p:spPr>
+          <a:xfrm>
+            <a:off x="1331640" y="3645024"/>
+            <a:ext cx="2304256" cy="253916"/>
+          </a:xfrm>
+          <a:prstGeom prst="rect">
+            <a:avLst/>
+          </a:prstGeom>
+          <a:noFill/>
+        </p:spPr>
+        <p:txBody>
+          <a:bodyPr wrap="square" rtlCol="0">
+            <a:spAutoFit/>
+          </a:bodyPr>
+          <a:lstStyle/>
+          <a:p>
+            <a:r>
+              <a:rPr lang="ja-JP" altLang="en-US" sz="1050" dirty="0" smtClean="0"/>
+              <a:t>一点</a:t>
+            </a:r>
+            <a:r>
+              <a:rPr lang="ja-JP" altLang="en-US" sz="1050" dirty="0" smtClean="0"/>
+              <a:t>の磁場は滑らかに収束しない、</a:t>
+            </a:r>
+            <a:endParaRPr kumimoji="1" lang="ja-JP" altLang="en-US" sz="1050" dirty="0"/>
+          </a:p>
+        </p:txBody>
+      </p:sp>
+      <p:sp>
+        <p:nvSpPr>
+          <p:cNvPr id="12" name="テキスト ボックス 11"/>
+          <p:cNvSpPr txBox="1"/>
+          <p:nvPr/>
+        </p:nvSpPr>
+        <p:spPr>
+          <a:xfrm>
+            <a:off x="4427984" y="3717032"/>
+            <a:ext cx="2520280" cy="253916"/>
+          </a:xfrm>
+          <a:prstGeom prst="rect">
+            <a:avLst/>
+          </a:prstGeom>
+          <a:noFill/>
+        </p:spPr>
+        <p:txBody>
+          <a:bodyPr wrap="square" rtlCol="0">
+            <a:spAutoFit/>
+          </a:bodyPr>
+          <a:lstStyle/>
+          <a:p>
+            <a:r>
+              <a:rPr lang="ja-JP" altLang="en-US" sz="1050" dirty="0" smtClean="0"/>
+              <a:t>磁気</a:t>
+            </a:r>
+            <a:r>
+              <a:rPr lang="ja-JP" altLang="en-US" sz="1050" dirty="0" smtClean="0"/>
+              <a:t>エネルギの積分量は滑らかに収束。</a:t>
+            </a:r>
+            <a:endParaRPr kumimoji="1" lang="ja-JP" altLang="en-US" sz="1050" dirty="0"/>
+          </a:p>
+        </p:txBody>
+      </p:sp>
+      <p:graphicFrame>
+        <p:nvGraphicFramePr>
+          <p:cNvPr id="1030" name="Object 6"/>
+          <p:cNvGraphicFramePr>
+            <a:graphicFrameLocks noChangeAspect="1"/>
+          </p:cNvGraphicFramePr>
+          <p:nvPr/>
+        </p:nvGraphicFramePr>
+        <p:xfrm>
+          <a:off x="5724128" y="6309320"/>
+          <a:ext cx="749300" cy="190500"/>
+        </p:xfrm>
+        <a:graphic>
+          <a:graphicData uri="http://schemas.openxmlformats.org/presentationml/2006/ole">
+            <p:oleObj spid="_x0000_s1030" name="Equation" r:id="rId6" imgW="749160" imgH="190440" progId="Equation.DSMT4">
+              <p:embed/>
+            </p:oleObj>
+          </a:graphicData>
+        </a:graphic>
+      </p:graphicFrame>
+      <p:pic>
+        <p:nvPicPr>
+          <p:cNvPr id="1031" name="Picture 7"/>
+          <p:cNvPicPr>
+            <a:picLocks noChangeAspect="1" noChangeArrowheads="1"/>
+          </p:cNvPicPr>
+          <p:nvPr/>
+        </p:nvPicPr>
+        <p:blipFill>
+          <a:blip r:embed="rId7" cstate="print"/>
+          <a:srcRect/>
+          <a:stretch>
+            <a:fillRect/>
+          </a:stretch>
+        </p:blipFill>
+        <p:spPr bwMode="auto">
+          <a:xfrm>
+            <a:off x="1403648" y="4149080"/>
+            <a:ext cx="1800200" cy="1621962"/>
+          </a:xfrm>
+          <a:prstGeom prst="rect">
+            <a:avLst/>
+          </a:prstGeom>
+          <a:noFill/>
+          <a:ln w="9525">
+            <a:noFill/>
+            <a:miter lim="800000"/>
+            <a:headEnd/>
+            <a:tailEnd/>
+          </a:ln>
+          <a:effectLst/>
+        </p:spPr>
+      </p:pic>
+    </p:spTree>
+  </p:cSld>
+  <p:clrMapOvr>
+    <a:masterClrMapping/>
+  </p:clrMapOvr>
+</p:sld>
+</file>
+
 <file path=ppt/slides/slide2.xml><?xml version="1.0" encoding="utf-8"?>
 <p:sld xmlns:a="http://schemas.openxmlformats.org/drawingml/2006/main" xmlns:r="http://schemas.openxmlformats.org/officeDocument/2006/relationships" xmlns:p="http://schemas.openxmlformats.org/presentationml/2006/main">
   <p:cSld>
@@ -6088,17 +7120,208 @@
           </a:p>
         </p:txBody>
       </p:sp>
+      <p:sp>
+        <p:nvSpPr>
+          <p:cNvPr id="14" name="正方形/長方形 13"/>
+          <p:cNvSpPr/>
+          <p:nvPr/>
+        </p:nvSpPr>
+        <p:spPr>
+          <a:xfrm>
+            <a:off x="1043608" y="3356992"/>
+            <a:ext cx="3168352" cy="1477328"/>
+          </a:xfrm>
+          <a:prstGeom prst="rect">
+            <a:avLst/>
+          </a:prstGeom>
+        </p:spPr>
+        <p:txBody>
+          <a:bodyPr wrap="square">
+            <a:spAutoFit/>
+          </a:bodyPr>
+          <a:lstStyle/>
+          <a:p>
+            <a:pPr fontAlgn="ctr"/>
+            <a:r>
+              <a:rPr lang="en-US" altLang="ja-JP" sz="1200" dirty="0" err="1" smtClean="0">
+                <a:latin typeface="Times New Roman" pitchFamily="18" charset="0"/>
+                <a:cs typeface="Times New Roman" pitchFamily="18" charset="0"/>
+              </a:rPr>
+              <a:t>Ticcg</a:t>
+            </a:r>
+            <a:r>
+              <a:rPr lang="en-US" altLang="ja-JP" sz="1200" dirty="0" smtClean="0">
+                <a:latin typeface="Times New Roman" pitchFamily="18" charset="0"/>
+                <a:cs typeface="Times New Roman" pitchFamily="18" charset="0"/>
+              </a:rPr>
+              <a:t>: time for preconditioning and iterations</a:t>
+            </a:r>
+          </a:p>
+          <a:p>
+            <a:pPr fontAlgn="ctr"/>
+            <a:r>
+              <a:rPr lang="en-US" altLang="ja-JP" sz="1200" dirty="0" err="1" smtClean="0">
+                <a:latin typeface="Times New Roman" pitchFamily="18" charset="0"/>
+                <a:cs typeface="Times New Roman" pitchFamily="18" charset="0"/>
+              </a:rPr>
+              <a:t>dt</a:t>
+            </a:r>
+            <a:r>
+              <a:rPr lang="en-US" altLang="ja-JP" sz="1200" dirty="0" smtClean="0">
+                <a:latin typeface="Times New Roman" pitchFamily="18" charset="0"/>
+                <a:cs typeface="Times New Roman" pitchFamily="18" charset="0"/>
+              </a:rPr>
+              <a:t>=</a:t>
+            </a:r>
+            <a:r>
+              <a:rPr lang="en-US" altLang="ja-JP" sz="1200" dirty="0" err="1" smtClean="0">
+                <a:latin typeface="Times New Roman" pitchFamily="18" charset="0"/>
+                <a:cs typeface="Times New Roman" pitchFamily="18" charset="0"/>
+              </a:rPr>
+              <a:t>Ticcg</a:t>
+            </a:r>
+            <a:r>
+              <a:rPr lang="en-US" altLang="ja-JP" sz="1200" dirty="0" smtClean="0">
+                <a:latin typeface="Times New Roman" pitchFamily="18" charset="0"/>
+                <a:cs typeface="Times New Roman" pitchFamily="18" charset="0"/>
+              </a:rPr>
+              <a:t>/</a:t>
+            </a:r>
+            <a:r>
+              <a:rPr lang="en-US" altLang="ja-JP" sz="1200" dirty="0" err="1" smtClean="0">
+                <a:latin typeface="Times New Roman" pitchFamily="18" charset="0"/>
+                <a:cs typeface="Times New Roman" pitchFamily="18" charset="0"/>
+              </a:rPr>
+              <a:t>Nonzeros</a:t>
+            </a:r>
+            <a:r>
+              <a:rPr lang="en-US" altLang="ja-JP" sz="1200" dirty="0" smtClean="0">
+                <a:latin typeface="Times New Roman" pitchFamily="18" charset="0"/>
+                <a:cs typeface="Times New Roman" pitchFamily="18" charset="0"/>
+              </a:rPr>
+              <a:t>/Niter </a:t>
+            </a:r>
+            <a:endParaRPr lang="en-US" altLang="ja-JP" sz="1200" i="0" u="none" strike="noStrike" dirty="0" smtClean="0">
+              <a:solidFill>
+                <a:srgbClr val="000000"/>
+              </a:solidFill>
+              <a:latin typeface="Times New Roman" pitchFamily="18" charset="0"/>
+              <a:cs typeface="Times New Roman" pitchFamily="18" charset="0"/>
+            </a:endParaRPr>
+          </a:p>
+          <a:p>
+            <a:pPr fontAlgn="ctr"/>
+            <a:r>
+              <a:rPr lang="en-US" altLang="ja-JP" sz="1200" i="0" u="none" strike="noStrike" dirty="0" err="1" smtClean="0">
+                <a:solidFill>
+                  <a:srgbClr val="000000"/>
+                </a:solidFill>
+                <a:latin typeface="Times New Roman" pitchFamily="18" charset="0"/>
+                <a:cs typeface="Times New Roman" pitchFamily="18" charset="0"/>
+              </a:rPr>
+              <a:t>Bz</a:t>
+            </a:r>
+            <a:r>
+              <a:rPr lang="en-US" altLang="ja-JP" sz="1200" i="0" u="none" strike="noStrike" dirty="0" smtClean="0">
+                <a:solidFill>
+                  <a:srgbClr val="000000"/>
+                </a:solidFill>
+                <a:latin typeface="Times New Roman" pitchFamily="18" charset="0"/>
+                <a:cs typeface="Times New Roman" pitchFamily="18" charset="0"/>
+              </a:rPr>
+              <a:t>(T): </a:t>
+            </a:r>
+            <a:r>
+              <a:rPr lang="en-US" altLang="ja-JP" sz="1200" i="0" u="none" strike="noStrike" dirty="0" err="1" smtClean="0">
+                <a:solidFill>
+                  <a:srgbClr val="000000"/>
+                </a:solidFill>
+                <a:latin typeface="Times New Roman" pitchFamily="18" charset="0"/>
+                <a:cs typeface="Times New Roman" pitchFamily="18" charset="0"/>
+              </a:rPr>
+              <a:t>Bz</a:t>
+            </a:r>
+            <a:r>
+              <a:rPr lang="en-US" altLang="ja-JP" sz="1200" i="0" u="none" strike="noStrike" dirty="0" smtClean="0">
+                <a:solidFill>
+                  <a:srgbClr val="000000"/>
+                </a:solidFill>
+                <a:latin typeface="Times New Roman" pitchFamily="18" charset="0"/>
+                <a:cs typeface="Times New Roman" pitchFamily="18" charset="0"/>
+              </a:rPr>
+              <a:t> at cube center  (0,0,0)</a:t>
+            </a:r>
+          </a:p>
+          <a:p>
+            <a:pPr fontAlgn="ctr"/>
+            <a:r>
+              <a:rPr lang="en-US" altLang="ja-JP" sz="1200" i="0" u="none" strike="noStrike" dirty="0" smtClean="0">
+                <a:solidFill>
+                  <a:srgbClr val="000000"/>
+                </a:solidFill>
+                <a:latin typeface="Times New Roman" pitchFamily="18" charset="0"/>
+                <a:cs typeface="Times New Roman" pitchFamily="18" charset="0"/>
+              </a:rPr>
+              <a:t>Wm(J): Magnetic energy in the cube</a:t>
+            </a:r>
+          </a:p>
+          <a:p>
+            <a:pPr fontAlgn="ctr"/>
+            <a:endParaRPr lang="en-US" altLang="ja-JP" sz="1200" dirty="0" smtClean="0">
+              <a:solidFill>
+                <a:srgbClr val="000000"/>
+              </a:solidFill>
+              <a:latin typeface="Times New Roman" pitchFamily="18" charset="0"/>
+              <a:cs typeface="Times New Roman" pitchFamily="18" charset="0"/>
+            </a:endParaRPr>
+          </a:p>
+          <a:p>
+            <a:pPr fontAlgn="ctr"/>
+            <a:r>
+              <a:rPr lang="en-US" altLang="ja-JP" sz="1200" dirty="0" err="1" smtClean="0">
+                <a:latin typeface="Times New Roman" pitchFamily="18" charset="0"/>
+                <a:cs typeface="Times New Roman" pitchFamily="18" charset="0"/>
+              </a:rPr>
+              <a:t>dt</a:t>
+            </a:r>
+            <a:r>
+              <a:rPr lang="en-US" altLang="ja-JP" sz="1200" dirty="0" smtClean="0">
+                <a:latin typeface="Times New Roman" pitchFamily="18" charset="0"/>
+                <a:cs typeface="Times New Roman" pitchFamily="18" charset="0"/>
+              </a:rPr>
+              <a:t> is nearly constant.</a:t>
+            </a:r>
+            <a:endParaRPr lang="en-US" altLang="ja-JP" sz="1200" i="0" u="none" strike="noStrike" dirty="0" smtClean="0">
+              <a:solidFill>
+                <a:srgbClr val="000000"/>
+              </a:solidFill>
+              <a:latin typeface="Times New Roman" pitchFamily="18" charset="0"/>
+              <a:cs typeface="Times New Roman" pitchFamily="18" charset="0"/>
+            </a:endParaRPr>
+          </a:p>
+          <a:p>
+            <a:pPr algn="ctr" fontAlgn="ctr"/>
+            <a:endParaRPr lang="en-US" altLang="ja-JP" i="0" u="none" strike="noStrike" dirty="0">
+              <a:solidFill>
+                <a:srgbClr val="000000"/>
+              </a:solidFill>
+              <a:latin typeface="Times New Roman" pitchFamily="18" charset="0"/>
+              <a:cs typeface="Times New Roman" pitchFamily="18" charset="0"/>
+            </a:endParaRPr>
+          </a:p>
+        </p:txBody>
+      </p:sp>
       <p:graphicFrame>
         <p:nvGraphicFramePr>
-          <p:cNvPr id="13" name="表 12"/>
+          <p:cNvPr id="11" name="表 10"/>
           <p:cNvGraphicFramePr>
             <a:graphicFrameLocks noGrp="1"/>
           </p:cNvGraphicFramePr>
           <p:nvPr/>
         </p:nvGraphicFramePr>
         <p:xfrm>
-          <a:off x="683568" y="1772816"/>
-          <a:ext cx="3200400" cy="1478280"/>
+          <a:off x="971600" y="1628800"/>
+          <a:ext cx="3200400" cy="1584960"/>
         </p:xfrm>
         <a:graphic>
           <a:graphicData uri="http://schemas.openxmlformats.org/drawingml/2006/table">
@@ -6122,7 +7345,7 @@
                           <a:solidFill>
                             <a:srgbClr val="000000"/>
                           </a:solidFill>
-                          <a:latin typeface="ＭＳ Ｐゴシック"/>
+                          <a:latin typeface="Times New Roman"/>
                         </a:rPr>
                         <a:t>　</a:t>
                       </a:r>
@@ -6178,7 +7401,7 @@
                           <a:solidFill>
                             <a:srgbClr val="000000"/>
                           </a:solidFill>
-                          <a:latin typeface="Calibri"/>
+                          <a:latin typeface="Times New Roman"/>
                         </a:rPr>
                         <a:t>A-Ar</a:t>
                       </a:r>
@@ -6236,14 +7459,32 @@
                           </a:solidFill>
                           <a:latin typeface="Calibri"/>
                         </a:rPr>
-                        <a:t>Ω-Ω</a:t>
+                        <a:t>Ω</a:t>
+                      </a:r>
+                      <a:r>
+                        <a:rPr lang="el-GR" sz="1200" b="0" i="0" u="none" strike="noStrike">
+                          <a:solidFill>
+                            <a:srgbClr val="000000"/>
+                          </a:solidFill>
+                          <a:latin typeface="Times New Roman"/>
+                        </a:rPr>
+                        <a:t>-</a:t>
+                      </a:r>
+                      <a:r>
+                        <a:rPr lang="el-GR" sz="1200" b="0" i="0" u="none" strike="noStrike">
+                          <a:solidFill>
+                            <a:srgbClr val="000000"/>
+                          </a:solidFill>
+                          <a:latin typeface="Calibri"/>
+                        </a:rPr>
+                        <a:t>Ω</a:t>
                       </a:r>
                       <a:r>
                         <a:rPr lang="en-US" sz="1200" b="0" i="0" u="none" strike="noStrike">
                           <a:solidFill>
                             <a:srgbClr val="000000"/>
                           </a:solidFill>
-                          <a:latin typeface="Calibri"/>
+                          <a:latin typeface="Times New Roman"/>
                         </a:rPr>
                         <a:t>r</a:t>
                       </a:r>
@@ -6299,7 +7540,7 @@
                           <a:solidFill>
                             <a:srgbClr val="000000"/>
                           </a:solidFill>
-                          <a:latin typeface="Calibri"/>
+                          <a:latin typeface="Times New Roman"/>
                         </a:rPr>
                         <a:t>A-</a:t>
                       </a:r>
@@ -6317,7 +7558,7 @@
                           <a:solidFill>
                             <a:srgbClr val="000000"/>
                           </a:solidFill>
-                          <a:latin typeface="Calibri"/>
+                          <a:latin typeface="Times New Roman"/>
                         </a:rPr>
                         <a:t>r</a:t>
                       </a:r>
@@ -6363,7 +7604,7 @@
                   </a:tcPr>
                 </a:tc>
               </a:tr>
-              <a:tr h="213360">
+              <a:tr h="198120">
                 <a:tc>
                   <a:txBody>
                     <a:bodyPr/>
@@ -6375,7 +7616,7 @@
                           <a:solidFill>
                             <a:srgbClr val="000000"/>
                           </a:solidFill>
-                          <a:latin typeface="ＭＳ Ｐゴシック"/>
+                          <a:latin typeface="Times New Roman"/>
                         </a:rPr>
                         <a:t>DOF</a:t>
                       </a:r>
@@ -6431,7 +7672,7 @@
                           <a:solidFill>
                             <a:srgbClr val="000000"/>
                           </a:solidFill>
-                          <a:latin typeface="Arial Unicode MS"/>
+                          <a:latin typeface="Times New Roman"/>
                         </a:rPr>
                         <a:t>315370</a:t>
                       </a:r>
@@ -6487,7 +7728,7 @@
                           <a:solidFill>
                             <a:srgbClr val="000000"/>
                           </a:solidFill>
-                          <a:latin typeface="Arial Unicode MS"/>
+                          <a:latin typeface="Times New Roman"/>
                         </a:rPr>
                         <a:t>135944</a:t>
                       </a:r>
@@ -6543,7 +7784,7 @@
                           <a:solidFill>
                             <a:srgbClr val="000000"/>
                           </a:solidFill>
-                          <a:latin typeface="Arial Unicode MS"/>
+                          <a:latin typeface="Times New Roman"/>
                         </a:rPr>
                         <a:t>225059</a:t>
                       </a:r>
@@ -6589,7 +7830,7 @@
                   </a:tcPr>
                 </a:tc>
               </a:tr>
-              <a:tr h="213360">
+              <a:tr h="198120">
                 <a:tc>
                   <a:txBody>
                     <a:bodyPr/>
@@ -6601,7 +7842,7 @@
                           <a:solidFill>
                             <a:srgbClr val="000000"/>
                           </a:solidFill>
-                          <a:latin typeface="ＭＳ Ｐゴシック"/>
+                          <a:latin typeface="Times New Roman"/>
                         </a:rPr>
                         <a:t>Nonzeros</a:t>
                       </a:r>
@@ -6657,7 +7898,7 @@
                           <a:solidFill>
                             <a:srgbClr val="000000"/>
                           </a:solidFill>
-                          <a:latin typeface="Arial Unicode MS"/>
+                          <a:latin typeface="Times New Roman"/>
                         </a:rPr>
                         <a:t>111303072</a:t>
                       </a:r>
@@ -6713,7 +7954,7 @@
                           <a:solidFill>
                             <a:srgbClr val="000000"/>
                           </a:solidFill>
-                          <a:latin typeface="Arial Unicode MS"/>
+                          <a:latin typeface="Times New Roman"/>
                         </a:rPr>
                         <a:t>34965270</a:t>
                       </a:r>
@@ -6769,7 +8010,7 @@
                           <a:solidFill>
                             <a:srgbClr val="000000"/>
                           </a:solidFill>
-                          <a:latin typeface="Arial Unicode MS"/>
+                          <a:latin typeface="Times New Roman"/>
                         </a:rPr>
                         <a:t>71419621</a:t>
                       </a:r>
@@ -6815,7 +8056,7 @@
                   </a:tcPr>
                 </a:tc>
               </a:tr>
-              <a:tr h="213360">
+              <a:tr h="198120">
                 <a:tc>
                   <a:txBody>
                     <a:bodyPr/>
@@ -6827,7 +8068,7 @@
                           <a:solidFill>
                             <a:srgbClr val="000000"/>
                           </a:solidFill>
-                          <a:latin typeface="ＭＳ Ｐゴシック"/>
+                          <a:latin typeface="Times New Roman"/>
                         </a:rPr>
                         <a:t>Niter</a:t>
                       </a:r>
@@ -6883,7 +8124,7 @@
                           <a:solidFill>
                             <a:srgbClr val="000000"/>
                           </a:solidFill>
-                          <a:latin typeface="Arial Unicode MS"/>
+                          <a:latin typeface="Times New Roman"/>
                         </a:rPr>
                         <a:t>268</a:t>
                       </a:r>
@@ -6939,7 +8180,7 @@
                           <a:solidFill>
                             <a:srgbClr val="000000"/>
                           </a:solidFill>
-                          <a:latin typeface="Arial Unicode MS"/>
+                          <a:latin typeface="Times New Roman"/>
                         </a:rPr>
                         <a:t>98</a:t>
                       </a:r>
@@ -6995,7 +8236,7 @@
                           <a:solidFill>
                             <a:srgbClr val="000000"/>
                           </a:solidFill>
-                          <a:latin typeface="Arial Unicode MS"/>
+                          <a:latin typeface="Times New Roman"/>
                         </a:rPr>
                         <a:t>406</a:t>
                       </a:r>
@@ -7041,7 +8282,7 @@
                   </a:tcPr>
                 </a:tc>
               </a:tr>
-              <a:tr h="213360">
+              <a:tr h="198120">
                 <a:tc>
                   <a:txBody>
                     <a:bodyPr/>
@@ -7053,9 +8294,9 @@
                           <a:solidFill>
                             <a:srgbClr val="000000"/>
                           </a:solidFill>
-                          <a:latin typeface="ＭＳ Ｐゴシック"/>
+                          <a:latin typeface="Times New Roman"/>
                         </a:rPr>
-                        <a:t>Tcal</a:t>
+                        <a:t>Ticcg</a:t>
                       </a:r>
                     </a:p>
                   </a:txBody>
@@ -7109,9 +8350,9 @@
                           <a:solidFill>
                             <a:srgbClr val="000000"/>
                           </a:solidFill>
-                          <a:latin typeface="Calibri"/>
+                          <a:latin typeface="Times New Roman"/>
                         </a:rPr>
-                        <a:t>176.1111</a:t>
+                        <a:t>91.5 </a:t>
                       </a:r>
                     </a:p>
                   </a:txBody>
@@ -7165,9 +8406,9 @@
                           <a:solidFill>
                             <a:srgbClr val="000000"/>
                           </a:solidFill>
-                          <a:latin typeface="Calibri"/>
+                          <a:latin typeface="Times New Roman"/>
                         </a:rPr>
-                        <a:t>28.788</a:t>
+                        <a:t>13.6 </a:t>
                       </a:r>
                     </a:p>
                   </a:txBody>
@@ -7221,9 +8462,9 @@
                           <a:solidFill>
                             <a:srgbClr val="000000"/>
                           </a:solidFill>
-                          <a:latin typeface="Arial Unicode MS"/>
+                          <a:latin typeface="Times New Roman"/>
                         </a:rPr>
-                        <a:t>108.137</a:t>
+                        <a:t>84.1 </a:t>
                       </a:r>
                     </a:p>
                   </a:txBody>
@@ -7267,7 +8508,7 @@
                   </a:tcPr>
                 </a:tc>
               </a:tr>
-              <a:tr h="213360">
+              <a:tr h="198120">
                 <a:tc>
                   <a:txBody>
                     <a:bodyPr/>
@@ -7279,19 +8520,16 @@
                           <a:solidFill>
                             <a:srgbClr val="000000"/>
                           </a:solidFill>
-                          <a:latin typeface="ＭＳ Ｐゴシック"/>
+                          <a:latin typeface="Times New Roman"/>
                         </a:rPr>
-                        <a:t>Bz</a:t>
+                        <a:t>dt</a:t>
                       </a:r>
-                      <a:r>
-                        <a:rPr lang="en-US" sz="1200" b="1" i="0" u="none" strike="noStrike" dirty="0">
-                          <a:solidFill>
-                            <a:srgbClr val="000000"/>
-                          </a:solidFill>
-                          <a:latin typeface="ＭＳ Ｐゴシック"/>
-                        </a:rPr>
-                        <a:t>*(T)</a:t>
-                      </a:r>
+                      <a:endParaRPr lang="en-US" sz="1200" b="1" i="0" u="none" strike="noStrike" dirty="0">
+                        <a:solidFill>
+                          <a:srgbClr val="000000"/>
+                        </a:solidFill>
+                        <a:latin typeface="Times New Roman"/>
+                      </a:endParaRPr>
                     </a:p>
                   </a:txBody>
                   <a:tcPr marL="7620" marR="7620" marT="7620" marB="0" anchor="ctr">
@@ -7338,15 +8576,15 @@
                     <a:bodyPr/>
                     <a:lstStyle/>
                     <a:p>
-                      <a:pPr algn="r" fontAlgn="ctr"/>
+                      <a:pPr algn="ctr" fontAlgn="ctr"/>
                       <a:r>
-                        <a:rPr lang="en-US" altLang="ja-JP" sz="1200" b="0" i="0" u="none" strike="noStrike">
+                        <a:rPr lang="en-US" sz="1200" b="0" i="0" u="none" strike="noStrike">
                           <a:solidFill>
                             <a:srgbClr val="000000"/>
                           </a:solidFill>
-                          <a:latin typeface="Arial Unicode MS"/>
+                          <a:latin typeface="Times New Roman"/>
                         </a:rPr>
-                        <a:t>3.4463683 </a:t>
+                        <a:t>3.07E-09</a:t>
                       </a:r>
                     </a:p>
                   </a:txBody>
@@ -7394,15 +8632,15 @@
                     <a:bodyPr/>
                     <a:lstStyle/>
                     <a:p>
-                      <a:pPr algn="r" fontAlgn="ctr"/>
+                      <a:pPr algn="ctr" fontAlgn="ctr"/>
                       <a:r>
-                        <a:rPr lang="en-US" altLang="ja-JP" sz="1200" b="0" i="0" u="none" strike="noStrike">
+                        <a:rPr lang="en-US" sz="1200" b="0" i="0" u="none" strike="noStrike">
                           <a:solidFill>
                             <a:srgbClr val="000000"/>
                           </a:solidFill>
-                          <a:latin typeface="Arial Unicode MS"/>
+                          <a:latin typeface="Times New Roman"/>
                         </a:rPr>
-                        <a:t>3.4476356 </a:t>
+                        <a:t>3.98E-09</a:t>
                       </a:r>
                     </a:p>
                   </a:txBody>
@@ -7450,15 +8688,15 @@
                     <a:bodyPr/>
                     <a:lstStyle/>
                     <a:p>
-                      <a:pPr algn="r" fontAlgn="ctr"/>
+                      <a:pPr algn="ctr" fontAlgn="ctr"/>
                       <a:r>
-                        <a:rPr lang="en-US" altLang="ja-JP" sz="1200" b="0" i="0" u="none" strike="noStrike">
+                        <a:rPr lang="en-US" sz="1200" b="0" i="0" u="none" strike="noStrike">
                           <a:solidFill>
                             <a:srgbClr val="000000"/>
                           </a:solidFill>
-                          <a:latin typeface="Arial Unicode MS"/>
+                          <a:latin typeface="Times New Roman"/>
                         </a:rPr>
-                        <a:t>3.4463682 </a:t>
+                        <a:t>2.90E-09</a:t>
                       </a:r>
                     </a:p>
                   </a:txBody>
@@ -7502,7 +8740,7 @@
                   </a:tcPr>
                 </a:tc>
               </a:tr>
-              <a:tr h="213360">
+              <a:tr h="198120">
                 <a:tc>
                   <a:txBody>
                     <a:bodyPr/>
@@ -7510,13 +8748,13 @@
                     <a:p>
                       <a:pPr algn="ctr" fontAlgn="ctr"/>
                       <a:r>
-                        <a:rPr lang="en-US" sz="1200" b="1" i="0" u="none" strike="noStrike" dirty="0">
+                        <a:rPr lang="en-US" sz="1200" b="1" i="0" u="none" strike="noStrike">
                           <a:solidFill>
                             <a:srgbClr val="000000"/>
                           </a:solidFill>
-                          <a:latin typeface="ＭＳ Ｐゴシック"/>
+                          <a:latin typeface="Times New Roman"/>
                         </a:rPr>
-                        <a:t>Wm**(J)</a:t>
+                        <a:t>Bz(T)</a:t>
                       </a:r>
                     </a:p>
                   </a:txBody>
@@ -7564,15 +8802,15 @@
                     <a:bodyPr/>
                     <a:lstStyle/>
                     <a:p>
-                      <a:pPr algn="r" fontAlgn="ctr"/>
+                      <a:pPr algn="ctr" fontAlgn="ctr"/>
                       <a:r>
                         <a:rPr lang="en-US" altLang="ja-JP" sz="1200" b="0" i="0" u="none" strike="noStrike">
                           <a:solidFill>
                             <a:srgbClr val="000000"/>
                           </a:solidFill>
-                          <a:latin typeface="Arial Unicode MS"/>
+                          <a:latin typeface="Times New Roman"/>
                         </a:rPr>
-                        <a:t>11541.379 </a:t>
+                        <a:t>3.4463683 </a:t>
                       </a:r>
                     </a:p>
                   </a:txBody>
@@ -7620,15 +8858,15 @@
                     <a:bodyPr/>
                     <a:lstStyle/>
                     <a:p>
-                      <a:pPr algn="r" fontAlgn="ctr"/>
+                      <a:pPr algn="ctr" fontAlgn="ctr"/>
                       <a:r>
                         <a:rPr lang="en-US" altLang="ja-JP" sz="1200" b="0" i="0" u="none" strike="noStrike">
                           <a:solidFill>
                             <a:srgbClr val="000000"/>
                           </a:solidFill>
-                          <a:latin typeface="Arial Unicode MS"/>
+                          <a:latin typeface="Times New Roman"/>
                         </a:rPr>
-                        <a:t>11568.976 </a:t>
+                        <a:t>3.4476356 </a:t>
                       </a:r>
                     </a:p>
                   </a:txBody>
@@ -7676,13 +8914,239 @@
                     <a:bodyPr/>
                     <a:lstStyle/>
                     <a:p>
-                      <a:pPr algn="r" fontAlgn="ctr"/>
+                      <a:pPr algn="ctr" fontAlgn="ctr"/>
+                      <a:r>
+                        <a:rPr lang="en-US" altLang="ja-JP" sz="1200" b="0" i="0" u="none" strike="noStrike">
+                          <a:solidFill>
+                            <a:srgbClr val="000000"/>
+                          </a:solidFill>
+                          <a:latin typeface="Times New Roman"/>
+                        </a:rPr>
+                        <a:t>3.4463682 </a:t>
+                      </a:r>
+                    </a:p>
+                  </a:txBody>
+                  <a:tcPr marL="7620" marR="7620" marT="7620" marB="0" anchor="ctr">
+                    <a:lnL w="6350" cap="flat" cmpd="sng" algn="ctr">
+                      <a:solidFill>
+                        <a:srgbClr val="000000"/>
+                      </a:solidFill>
+                      <a:prstDash val="solid"/>
+                      <a:round/>
+                      <a:headEnd type="none" w="med" len="med"/>
+                      <a:tailEnd type="none" w="med" len="med"/>
+                    </a:lnL>
+                    <a:lnR w="6350" cap="flat" cmpd="sng" algn="ctr">
+                      <a:solidFill>
+                        <a:srgbClr val="000000"/>
+                      </a:solidFill>
+                      <a:prstDash val="solid"/>
+                      <a:round/>
+                      <a:headEnd type="none" w="med" len="med"/>
+                      <a:tailEnd type="none" w="med" len="med"/>
+                    </a:lnR>
+                    <a:lnT w="6350" cap="flat" cmpd="sng" algn="ctr">
+                      <a:solidFill>
+                        <a:srgbClr val="000000"/>
+                      </a:solidFill>
+                      <a:prstDash val="solid"/>
+                      <a:round/>
+                      <a:headEnd type="none" w="med" len="med"/>
+                      <a:tailEnd type="none" w="med" len="med"/>
+                    </a:lnT>
+                    <a:lnB w="6350" cap="flat" cmpd="sng" algn="ctr">
+                      <a:solidFill>
+                        <a:srgbClr val="000000"/>
+                      </a:solidFill>
+                      <a:prstDash val="solid"/>
+                      <a:round/>
+                      <a:headEnd type="none" w="med" len="med"/>
+                      <a:tailEnd type="none" w="med" len="med"/>
+                    </a:lnB>
+                  </a:tcPr>
+                </a:tc>
+              </a:tr>
+              <a:tr h="198120">
+                <a:tc>
+                  <a:txBody>
+                    <a:bodyPr/>
+                    <a:lstStyle/>
+                    <a:p>
+                      <a:pPr algn="ctr" fontAlgn="ctr"/>
+                      <a:r>
+                        <a:rPr lang="en-US" sz="1200" b="1" i="0" u="none" strike="noStrike">
+                          <a:solidFill>
+                            <a:srgbClr val="000000"/>
+                          </a:solidFill>
+                          <a:latin typeface="Times New Roman"/>
+                        </a:rPr>
+                        <a:t>Wm(J)</a:t>
+                      </a:r>
+                    </a:p>
+                  </a:txBody>
+                  <a:tcPr marL="7620" marR="7620" marT="7620" marB="0" anchor="ctr">
+                    <a:lnL w="6350" cap="flat" cmpd="sng" algn="ctr">
+                      <a:solidFill>
+                        <a:srgbClr val="000000"/>
+                      </a:solidFill>
+                      <a:prstDash val="solid"/>
+                      <a:round/>
+                      <a:headEnd type="none" w="med" len="med"/>
+                      <a:tailEnd type="none" w="med" len="med"/>
+                    </a:lnL>
+                    <a:lnR w="6350" cap="flat" cmpd="sng" algn="ctr">
+                      <a:solidFill>
+                        <a:srgbClr val="000000"/>
+                      </a:solidFill>
+                      <a:prstDash val="solid"/>
+                      <a:round/>
+                      <a:headEnd type="none" w="med" len="med"/>
+                      <a:tailEnd type="none" w="med" len="med"/>
+                    </a:lnR>
+                    <a:lnT w="6350" cap="flat" cmpd="sng" algn="ctr">
+                      <a:solidFill>
+                        <a:srgbClr val="000000"/>
+                      </a:solidFill>
+                      <a:prstDash val="solid"/>
+                      <a:round/>
+                      <a:headEnd type="none" w="med" len="med"/>
+                      <a:tailEnd type="none" w="med" len="med"/>
+                    </a:lnT>
+                    <a:lnB w="6350" cap="flat" cmpd="sng" algn="ctr">
+                      <a:solidFill>
+                        <a:srgbClr val="000000"/>
+                      </a:solidFill>
+                      <a:prstDash val="solid"/>
+                      <a:round/>
+                      <a:headEnd type="none" w="med" len="med"/>
+                      <a:tailEnd type="none" w="med" len="med"/>
+                    </a:lnB>
+                  </a:tcPr>
+                </a:tc>
+                <a:tc>
+                  <a:txBody>
+                    <a:bodyPr/>
+                    <a:lstStyle/>
+                    <a:p>
+                      <a:pPr algn="ctr" fontAlgn="ctr"/>
                       <a:r>
                         <a:rPr lang="en-US" altLang="ja-JP" sz="1200" b="0" i="0" u="none" strike="noStrike" dirty="0">
                           <a:solidFill>
                             <a:srgbClr val="000000"/>
                           </a:solidFill>
-                          <a:latin typeface="Arial Unicode MS"/>
+                          <a:latin typeface="Times New Roman"/>
+                        </a:rPr>
+                        <a:t>11541.379 </a:t>
+                      </a:r>
+                    </a:p>
+                  </a:txBody>
+                  <a:tcPr marL="7620" marR="7620" marT="7620" marB="0" anchor="ctr">
+                    <a:lnL w="6350" cap="flat" cmpd="sng" algn="ctr">
+                      <a:solidFill>
+                        <a:srgbClr val="000000"/>
+                      </a:solidFill>
+                      <a:prstDash val="solid"/>
+                      <a:round/>
+                      <a:headEnd type="none" w="med" len="med"/>
+                      <a:tailEnd type="none" w="med" len="med"/>
+                    </a:lnL>
+                    <a:lnR w="6350" cap="flat" cmpd="sng" algn="ctr">
+                      <a:solidFill>
+                        <a:srgbClr val="000000"/>
+                      </a:solidFill>
+                      <a:prstDash val="solid"/>
+                      <a:round/>
+                      <a:headEnd type="none" w="med" len="med"/>
+                      <a:tailEnd type="none" w="med" len="med"/>
+                    </a:lnR>
+                    <a:lnT w="6350" cap="flat" cmpd="sng" algn="ctr">
+                      <a:solidFill>
+                        <a:srgbClr val="000000"/>
+                      </a:solidFill>
+                      <a:prstDash val="solid"/>
+                      <a:round/>
+                      <a:headEnd type="none" w="med" len="med"/>
+                      <a:tailEnd type="none" w="med" len="med"/>
+                    </a:lnT>
+                    <a:lnB w="6350" cap="flat" cmpd="sng" algn="ctr">
+                      <a:solidFill>
+                        <a:srgbClr val="000000"/>
+                      </a:solidFill>
+                      <a:prstDash val="solid"/>
+                      <a:round/>
+                      <a:headEnd type="none" w="med" len="med"/>
+                      <a:tailEnd type="none" w="med" len="med"/>
+                    </a:lnB>
+                  </a:tcPr>
+                </a:tc>
+                <a:tc>
+                  <a:txBody>
+                    <a:bodyPr/>
+                    <a:lstStyle/>
+                    <a:p>
+                      <a:pPr algn="ctr" fontAlgn="ctr"/>
+                      <a:r>
+                        <a:rPr lang="en-US" altLang="ja-JP" sz="1200" b="0" i="0" u="none" strike="noStrike">
+                          <a:solidFill>
+                            <a:srgbClr val="000000"/>
+                          </a:solidFill>
+                          <a:latin typeface="Times New Roman"/>
+                        </a:rPr>
+                        <a:t>11568.976 </a:t>
+                      </a:r>
+                    </a:p>
+                  </a:txBody>
+                  <a:tcPr marL="7620" marR="7620" marT="7620" marB="0" anchor="ctr">
+                    <a:lnL w="6350" cap="flat" cmpd="sng" algn="ctr">
+                      <a:solidFill>
+                        <a:srgbClr val="000000"/>
+                      </a:solidFill>
+                      <a:prstDash val="solid"/>
+                      <a:round/>
+                      <a:headEnd type="none" w="med" len="med"/>
+                      <a:tailEnd type="none" w="med" len="med"/>
+                    </a:lnL>
+                    <a:lnR w="6350" cap="flat" cmpd="sng" algn="ctr">
+                      <a:solidFill>
+                        <a:srgbClr val="000000"/>
+                      </a:solidFill>
+                      <a:prstDash val="solid"/>
+                      <a:round/>
+                      <a:headEnd type="none" w="med" len="med"/>
+                      <a:tailEnd type="none" w="med" len="med"/>
+                    </a:lnR>
+                    <a:lnT w="6350" cap="flat" cmpd="sng" algn="ctr">
+                      <a:solidFill>
+                        <a:srgbClr val="000000"/>
+                      </a:solidFill>
+                      <a:prstDash val="solid"/>
+                      <a:round/>
+                      <a:headEnd type="none" w="med" len="med"/>
+                      <a:tailEnd type="none" w="med" len="med"/>
+                    </a:lnT>
+                    <a:lnB w="6350" cap="flat" cmpd="sng" algn="ctr">
+                      <a:solidFill>
+                        <a:srgbClr val="000000"/>
+                      </a:solidFill>
+                      <a:prstDash val="solid"/>
+                      <a:round/>
+                      <a:headEnd type="none" w="med" len="med"/>
+                      <a:tailEnd type="none" w="med" len="med"/>
+                    </a:lnB>
+                  </a:tcPr>
+                </a:tc>
+                <a:tc>
+                  <a:txBody>
+                    <a:bodyPr/>
+                    <a:lstStyle/>
+                    <a:p>
+                      <a:pPr algn="ctr" fontAlgn="ctr"/>
+                      <a:r>
+                        <a:rPr lang="en-US" altLang="ja-JP" sz="1200" b="0" i="0" u="none" strike="noStrike" dirty="0">
+                          <a:solidFill>
+                            <a:srgbClr val="000000"/>
+                          </a:solidFill>
+                          <a:latin typeface="Times New Roman"/>
                         </a:rPr>
                         <a:t>11541.380 </a:t>
                       </a:r>
@@ -7732,16 +9196,766 @@
           </a:graphicData>
         </a:graphic>
       </p:graphicFrame>
-      <p:sp>
-        <p:nvSpPr>
-          <p:cNvPr id="14" name="正方形/長方形 13"/>
+    </p:spTree>
+  </p:cSld>
+  <p:clrMapOvr>
+    <a:masterClrMapping/>
+  </p:clrMapOvr>
+</p:sld>
+</file>
+
+<file path=ppt/slides/slide7.xml><?xml version="1.0" encoding="utf-8"?>
+<p:sld xmlns:a="http://schemas.openxmlformats.org/drawingml/2006/main" xmlns:r="http://schemas.openxmlformats.org/officeDocument/2006/relationships" xmlns:p="http://schemas.openxmlformats.org/presentationml/2006/main">
+  <p:cSld>
+    <p:spTree>
+      <p:nvGrpSpPr>
+        <p:cNvPr id="1" name=""/>
+        <p:cNvGrpSpPr/>
+        <p:nvPr/>
+      </p:nvGrpSpPr>
+      <p:grpSpPr>
+        <a:xfrm>
+          <a:off x="0" y="0"/>
+          <a:ext cx="0" cy="0"/>
+          <a:chOff x="0" y="0"/>
+          <a:chExt cx="0" cy="0"/>
+        </a:xfrm>
+      </p:grpSpPr>
+      <p:sp>
+        <p:nvSpPr>
+          <p:cNvPr id="2" name="タイトル 1"/>
+          <p:cNvSpPr>
+            <a:spLocks noGrp="1"/>
+          </p:cNvSpPr>
+          <p:nvPr>
+            <p:ph type="title"/>
+          </p:nvPr>
+        </p:nvSpPr>
+        <p:spPr/>
+        <p:txBody>
+          <a:bodyPr/>
+          <a:lstStyle/>
+          <a:p>
+            <a:r>
+              <a:rPr kumimoji="1" lang="en-US" altLang="ja-JP" dirty="0" smtClean="0"/>
+              <a:t>A-</a:t>
+            </a:r>
+            <a:r>
+              <a:rPr kumimoji="1" lang="en-US" altLang="ja-JP" dirty="0" err="1" smtClean="0"/>
+              <a:t>Ar</a:t>
+            </a:r>
+            <a:endParaRPr kumimoji="1" lang="ja-JP" altLang="en-US" dirty="0"/>
+          </a:p>
+        </p:txBody>
+      </p:sp>
+      <p:pic>
+        <p:nvPicPr>
+          <p:cNvPr id="19459" name="Picture 3"/>
+          <p:cNvPicPr>
+            <a:picLocks noChangeAspect="1" noChangeArrowheads="1"/>
+          </p:cNvPicPr>
+          <p:nvPr/>
+        </p:nvPicPr>
+        <p:blipFill>
+          <a:blip r:embed="rId2" cstate="print"/>
+          <a:srcRect/>
+          <a:stretch>
+            <a:fillRect/>
+          </a:stretch>
+        </p:blipFill>
+        <p:spPr bwMode="auto">
+          <a:xfrm>
+            <a:off x="755576" y="3717032"/>
+            <a:ext cx="3965165" cy="2381299"/>
+          </a:xfrm>
+          <a:prstGeom prst="rect">
+            <a:avLst/>
+          </a:prstGeom>
+          <a:noFill/>
+          <a:ln w="9525">
+            <a:noFill/>
+            <a:miter lim="800000"/>
+            <a:headEnd/>
+            <a:tailEnd/>
+          </a:ln>
+          <a:effectLst/>
+        </p:spPr>
+      </p:pic>
+      <p:pic>
+        <p:nvPicPr>
+          <p:cNvPr id="19460" name="Picture 4"/>
+          <p:cNvPicPr>
+            <a:picLocks noChangeAspect="1" noChangeArrowheads="1"/>
+          </p:cNvPicPr>
+          <p:nvPr/>
+        </p:nvPicPr>
+        <p:blipFill>
+          <a:blip r:embed="rId3" cstate="print"/>
+          <a:srcRect/>
+          <a:stretch>
+            <a:fillRect/>
+          </a:stretch>
+        </p:blipFill>
+        <p:spPr bwMode="auto">
+          <a:xfrm>
+            <a:off x="899592" y="1556792"/>
+            <a:ext cx="3713558" cy="2232249"/>
+          </a:xfrm>
+          <a:prstGeom prst="rect">
+            <a:avLst/>
+          </a:prstGeom>
+          <a:noFill/>
+          <a:ln w="9525">
+            <a:noFill/>
+            <a:miter lim="800000"/>
+            <a:headEnd/>
+            <a:tailEnd/>
+          </a:ln>
+          <a:effectLst/>
+        </p:spPr>
+      </p:pic>
+      <p:sp>
+        <p:nvSpPr>
+          <p:cNvPr id="8" name="テキスト ボックス 7"/>
+          <p:cNvSpPr txBox="1"/>
+          <p:nvPr/>
+        </p:nvSpPr>
+        <p:spPr>
+          <a:xfrm>
+            <a:off x="5148064" y="1916832"/>
+            <a:ext cx="3024336" cy="830997"/>
+          </a:xfrm>
+          <a:prstGeom prst="rect">
+            <a:avLst/>
+          </a:prstGeom>
+          <a:noFill/>
+        </p:spPr>
+        <p:txBody>
+          <a:bodyPr wrap="square" rtlCol="0">
+            <a:spAutoFit/>
+          </a:bodyPr>
+          <a:lstStyle/>
+          <a:p>
+            <a:r>
+              <a:rPr kumimoji="1" lang="en-US" altLang="ja-JP" dirty="0" smtClean="0"/>
+              <a:t>Error</a:t>
+            </a:r>
+            <a:r>
+              <a:rPr lang="ja-JP" altLang="en-US" dirty="0" smtClean="0"/>
+              <a:t> </a:t>
+            </a:r>
+            <a:r>
+              <a:rPr kumimoji="1" lang="ja-JP" altLang="en-US" dirty="0" smtClean="0"/>
+              <a:t>∝ </a:t>
+            </a:r>
+            <a:r>
+              <a:rPr kumimoji="1" lang="en-US" altLang="ja-JP" dirty="0" smtClean="0"/>
+              <a:t>Ndof</a:t>
+            </a:r>
+            <a:r>
+              <a:rPr kumimoji="1" lang="en-US" altLang="ja-JP" baseline="30000" dirty="0" smtClean="0"/>
+              <a:t>1/2</a:t>
+            </a:r>
+            <a:r>
+              <a:rPr kumimoji="1" lang="en-US" altLang="ja-JP" dirty="0" smtClean="0"/>
+              <a:t>  -- h</a:t>
+            </a:r>
+          </a:p>
+          <a:p>
+            <a:r>
+              <a:rPr lang="ja-JP" altLang="en-US" dirty="0" smtClean="0"/>
+              <a:t>          ∝ </a:t>
+            </a:r>
+            <a:r>
+              <a:rPr lang="en-US" altLang="ja-JP" dirty="0" err="1" smtClean="0"/>
+              <a:t>Ndof</a:t>
+            </a:r>
+            <a:r>
+              <a:rPr lang="en-US" altLang="ja-JP" dirty="0" smtClean="0"/>
+              <a:t>      -- p</a:t>
+            </a:r>
+            <a:endParaRPr kumimoji="1" lang="en-US" altLang="ja-JP" dirty="0" smtClean="0"/>
+          </a:p>
+          <a:p>
+            <a:r>
+              <a:rPr lang="en-US" altLang="ja-JP" baseline="30000" dirty="0" smtClean="0"/>
+              <a:t>               </a:t>
+            </a:r>
+            <a:endParaRPr kumimoji="1" lang="ja-JP" altLang="en-US" baseline="30000" dirty="0"/>
+          </a:p>
+        </p:txBody>
+      </p:sp>
+      <p:sp>
+        <p:nvSpPr>
+          <p:cNvPr id="9" name="テキスト ボックス 8"/>
+          <p:cNvSpPr txBox="1"/>
+          <p:nvPr/>
+        </p:nvSpPr>
+        <p:spPr>
+          <a:xfrm>
+            <a:off x="5076056" y="3933056"/>
+            <a:ext cx="3024336" cy="1938992"/>
+          </a:xfrm>
+          <a:prstGeom prst="rect">
+            <a:avLst/>
+          </a:prstGeom>
+          <a:noFill/>
+        </p:spPr>
+        <p:txBody>
+          <a:bodyPr wrap="square" rtlCol="0">
+            <a:spAutoFit/>
+          </a:bodyPr>
+          <a:lstStyle/>
+          <a:p>
+            <a:r>
+              <a:rPr kumimoji="1" lang="en-US" altLang="ja-JP" dirty="0" smtClean="0"/>
+              <a:t>Error</a:t>
+            </a:r>
+            <a:r>
+              <a:rPr lang="ja-JP" altLang="en-US" dirty="0" smtClean="0"/>
+              <a:t> </a:t>
+            </a:r>
+            <a:r>
+              <a:rPr kumimoji="1" lang="ja-JP" altLang="en-US" dirty="0" smtClean="0"/>
+              <a:t>∝ </a:t>
+            </a:r>
+            <a:r>
+              <a:rPr kumimoji="1" lang="en-US" altLang="ja-JP" dirty="0" smtClean="0"/>
+              <a:t>Nnz</a:t>
+            </a:r>
+            <a:r>
+              <a:rPr lang="en-US" altLang="ja-JP" baseline="30000" dirty="0" smtClean="0"/>
+              <a:t>1/2</a:t>
+            </a:r>
+            <a:r>
+              <a:rPr kumimoji="1" lang="en-US" altLang="ja-JP" dirty="0" smtClean="0"/>
+              <a:t>       -- h, p</a:t>
+            </a:r>
+          </a:p>
+          <a:p>
+            <a:endParaRPr lang="en-US" altLang="ja-JP" dirty="0" smtClean="0"/>
+          </a:p>
+          <a:p>
+            <a:r>
+              <a:rPr lang="en-US" altLang="ja-JP" dirty="0" smtClean="0"/>
+              <a:t>Error(h) =〜2 Error(p)</a:t>
+            </a:r>
+            <a:r>
+              <a:rPr lang="ja-JP" altLang="en-US" dirty="0" smtClean="0"/>
+              <a:t>　</a:t>
+            </a:r>
+            <a:r>
+              <a:rPr lang="en-US" altLang="ja-JP" dirty="0" smtClean="0"/>
+              <a:t>– Bz0</a:t>
+            </a:r>
+          </a:p>
+          <a:p>
+            <a:r>
+              <a:rPr lang="en-US" altLang="ja-JP" dirty="0" smtClean="0"/>
+              <a:t>Error(h) =〜4 Error(p)</a:t>
+            </a:r>
+            <a:r>
+              <a:rPr lang="ja-JP" altLang="en-US" dirty="0" smtClean="0"/>
+              <a:t>　</a:t>
+            </a:r>
+            <a:r>
+              <a:rPr lang="en-US" altLang="ja-JP" dirty="0" smtClean="0"/>
+              <a:t>– Wm </a:t>
+            </a:r>
+          </a:p>
+          <a:p>
+            <a:r>
+              <a:rPr lang="en-US" altLang="ja-JP" dirty="0" smtClean="0"/>
+              <a:t> </a:t>
+            </a:r>
+            <a:endParaRPr kumimoji="1" lang="en-US" altLang="ja-JP" dirty="0" smtClean="0"/>
+          </a:p>
+          <a:p>
+            <a:r>
+              <a:rPr lang="ja-JP" altLang="en-US" dirty="0" smtClean="0"/>
+              <a:t>          </a:t>
+            </a:r>
+            <a:endParaRPr kumimoji="1" lang="en-US" altLang="ja-JP" dirty="0" smtClean="0"/>
+          </a:p>
+          <a:p>
+            <a:r>
+              <a:rPr lang="en-US" altLang="ja-JP" baseline="30000" dirty="0" smtClean="0"/>
+              <a:t>               </a:t>
+            </a:r>
+            <a:endParaRPr kumimoji="1" lang="ja-JP" altLang="en-US" baseline="30000" dirty="0"/>
+          </a:p>
+        </p:txBody>
+      </p:sp>
+      <p:sp>
+        <p:nvSpPr>
+          <p:cNvPr id="10" name="正方形/長方形 9"/>
           <p:cNvSpPr/>
           <p:nvPr/>
         </p:nvSpPr>
         <p:spPr>
           <a:xfrm>
-            <a:off x="1043608" y="3356992"/>
-            <a:ext cx="2659702" cy="738664"/>
+            <a:off x="5148064" y="2996952"/>
+            <a:ext cx="2016224" cy="646331"/>
+          </a:xfrm>
+          <a:prstGeom prst="rect">
+            <a:avLst/>
+          </a:prstGeom>
+          <a:ln>
+            <a:solidFill>
+              <a:schemeClr val="tx1"/>
+            </a:solidFill>
+          </a:ln>
+        </p:spPr>
+        <p:txBody>
+          <a:bodyPr wrap="square">
+            <a:spAutoFit/>
+          </a:bodyPr>
+          <a:lstStyle/>
+          <a:p>
+            <a:r>
+              <a:rPr lang="en-US" altLang="ja-JP" dirty="0" err="1" smtClean="0"/>
+              <a:t>Nnz</a:t>
+            </a:r>
+            <a:r>
+              <a:rPr lang="ja-JP" altLang="en-US" dirty="0" smtClean="0"/>
+              <a:t>∝ </a:t>
+            </a:r>
+            <a:r>
+              <a:rPr lang="en-US" altLang="ja-JP" dirty="0" smtClean="0"/>
+              <a:t>Ndof</a:t>
+            </a:r>
+            <a:r>
+              <a:rPr lang="en-US" altLang="ja-JP" baseline="30000" dirty="0" smtClean="0"/>
+              <a:t>1/2</a:t>
+            </a:r>
+            <a:r>
+              <a:rPr lang="en-US" altLang="ja-JP" dirty="0" smtClean="0"/>
+              <a:t>  -- h</a:t>
+            </a:r>
+          </a:p>
+          <a:p>
+            <a:r>
+              <a:rPr lang="ja-JP" altLang="en-US" dirty="0" smtClean="0"/>
+              <a:t>       ∝ </a:t>
+            </a:r>
+            <a:r>
+              <a:rPr lang="en-US" altLang="ja-JP" dirty="0" err="1" smtClean="0"/>
+              <a:t>Ndof</a:t>
+            </a:r>
+            <a:r>
+              <a:rPr lang="en-US" altLang="ja-JP" dirty="0" smtClean="0"/>
+              <a:t>      -- p</a:t>
+            </a:r>
+          </a:p>
+        </p:txBody>
+      </p:sp>
+    </p:spTree>
+  </p:cSld>
+  <p:clrMapOvr>
+    <a:masterClrMapping/>
+  </p:clrMapOvr>
+</p:sld>
+</file>
+
+<file path=ppt/slides/slide8.xml><?xml version="1.0" encoding="utf-8"?>
+<p:sld xmlns:a="http://schemas.openxmlformats.org/drawingml/2006/main" xmlns:r="http://schemas.openxmlformats.org/officeDocument/2006/relationships" xmlns:p="http://schemas.openxmlformats.org/presentationml/2006/main">
+  <p:cSld>
+    <p:spTree>
+      <p:nvGrpSpPr>
+        <p:cNvPr id="1" name=""/>
+        <p:cNvGrpSpPr/>
+        <p:nvPr/>
+      </p:nvGrpSpPr>
+      <p:grpSpPr>
+        <a:xfrm>
+          <a:off x="0" y="0"/>
+          <a:ext cx="0" cy="0"/>
+          <a:chOff x="0" y="0"/>
+          <a:chExt cx="0" cy="0"/>
+        </a:xfrm>
+      </p:grpSpPr>
+      <p:sp>
+        <p:nvSpPr>
+          <p:cNvPr id="2" name="タイトル 1"/>
+          <p:cNvSpPr>
+            <a:spLocks noGrp="1"/>
+          </p:cNvSpPr>
+          <p:nvPr>
+            <p:ph type="title"/>
+          </p:nvPr>
+        </p:nvSpPr>
+        <p:spPr/>
+        <p:txBody>
+          <a:bodyPr/>
+          <a:lstStyle/>
+          <a:p>
+            <a:r>
+              <a:rPr kumimoji="1" lang="en-US" altLang="ja-JP" dirty="0" smtClean="0"/>
+              <a:t>Ω-Ω</a:t>
+            </a:r>
+            <a:r>
+              <a:rPr kumimoji="1" lang="ja-JP" altLang="en-US" dirty="0" err="1" smtClean="0"/>
+              <a:t>ｒ</a:t>
+            </a:r>
+            <a:endParaRPr kumimoji="1" lang="ja-JP" altLang="en-US" dirty="0"/>
+          </a:p>
+        </p:txBody>
+      </p:sp>
+      <p:pic>
+        <p:nvPicPr>
+          <p:cNvPr id="20482" name="Picture 2"/>
+          <p:cNvPicPr>
+            <a:picLocks noChangeAspect="1" noChangeArrowheads="1"/>
+          </p:cNvPicPr>
+          <p:nvPr/>
+        </p:nvPicPr>
+        <p:blipFill>
+          <a:blip r:embed="rId2" cstate="print"/>
+          <a:srcRect/>
+          <a:stretch>
+            <a:fillRect/>
+          </a:stretch>
+        </p:blipFill>
+        <p:spPr bwMode="auto">
+          <a:xfrm>
+            <a:off x="683568" y="1412776"/>
+            <a:ext cx="3960440" cy="2383954"/>
+          </a:xfrm>
+          <a:prstGeom prst="rect">
+            <a:avLst/>
+          </a:prstGeom>
+          <a:noFill/>
+          <a:ln w="9525">
+            <a:noFill/>
+            <a:miter lim="800000"/>
+            <a:headEnd/>
+            <a:tailEnd/>
+          </a:ln>
+          <a:effectLst/>
+        </p:spPr>
+      </p:pic>
+      <p:pic>
+        <p:nvPicPr>
+          <p:cNvPr id="20483" name="Picture 3"/>
+          <p:cNvPicPr>
+            <a:picLocks noChangeAspect="1" noChangeArrowheads="1"/>
+          </p:cNvPicPr>
+          <p:nvPr/>
+        </p:nvPicPr>
+        <p:blipFill>
+          <a:blip r:embed="rId3" cstate="print"/>
+          <a:srcRect/>
+          <a:stretch>
+            <a:fillRect/>
+          </a:stretch>
+        </p:blipFill>
+        <p:spPr bwMode="auto">
+          <a:xfrm>
+            <a:off x="611560" y="3717032"/>
+            <a:ext cx="3948534" cy="2373496"/>
+          </a:xfrm>
+          <a:prstGeom prst="rect">
+            <a:avLst/>
+          </a:prstGeom>
+          <a:noFill/>
+          <a:ln w="9525">
+            <a:noFill/>
+            <a:miter lim="800000"/>
+            <a:headEnd/>
+            <a:tailEnd/>
+          </a:ln>
+          <a:effectLst/>
+        </p:spPr>
+      </p:pic>
+      <p:sp>
+        <p:nvSpPr>
+          <p:cNvPr id="6" name="テキスト ボックス 5"/>
+          <p:cNvSpPr txBox="1"/>
+          <p:nvPr/>
+        </p:nvSpPr>
+        <p:spPr>
+          <a:xfrm>
+            <a:off x="5148064" y="1916832"/>
+            <a:ext cx="3024336" cy="830997"/>
+          </a:xfrm>
+          <a:prstGeom prst="rect">
+            <a:avLst/>
+          </a:prstGeom>
+          <a:noFill/>
+        </p:spPr>
+        <p:txBody>
+          <a:bodyPr wrap="square" rtlCol="0">
+            <a:spAutoFit/>
+          </a:bodyPr>
+          <a:lstStyle/>
+          <a:p>
+            <a:r>
+              <a:rPr kumimoji="1" lang="en-US" altLang="ja-JP" dirty="0" smtClean="0"/>
+              <a:t>Error</a:t>
+            </a:r>
+            <a:r>
+              <a:rPr lang="ja-JP" altLang="en-US" dirty="0" smtClean="0"/>
+              <a:t> </a:t>
+            </a:r>
+            <a:r>
+              <a:rPr kumimoji="1" lang="ja-JP" altLang="en-US" dirty="0" smtClean="0"/>
+              <a:t>∝ </a:t>
+            </a:r>
+            <a:r>
+              <a:rPr kumimoji="1" lang="en-US" altLang="ja-JP" dirty="0" smtClean="0"/>
+              <a:t>Ndof</a:t>
+            </a:r>
+            <a:r>
+              <a:rPr kumimoji="1" lang="en-US" altLang="ja-JP" baseline="30000" dirty="0" smtClean="0"/>
+              <a:t>1/2</a:t>
+            </a:r>
+            <a:r>
+              <a:rPr kumimoji="1" lang="en-US" altLang="ja-JP" dirty="0" smtClean="0"/>
+              <a:t>  -- h</a:t>
+            </a:r>
+          </a:p>
+          <a:p>
+            <a:r>
+              <a:rPr lang="ja-JP" altLang="en-US" dirty="0" smtClean="0"/>
+              <a:t>          ∝ </a:t>
+            </a:r>
+            <a:r>
+              <a:rPr lang="en-US" altLang="ja-JP" dirty="0" err="1" smtClean="0"/>
+              <a:t>Ndof</a:t>
+            </a:r>
+            <a:r>
+              <a:rPr lang="en-US" altLang="ja-JP" dirty="0" smtClean="0"/>
+              <a:t>      -- p</a:t>
+            </a:r>
+            <a:endParaRPr kumimoji="1" lang="en-US" altLang="ja-JP" dirty="0" smtClean="0"/>
+          </a:p>
+          <a:p>
+            <a:r>
+              <a:rPr lang="en-US" altLang="ja-JP" baseline="30000" dirty="0" smtClean="0"/>
+              <a:t>               </a:t>
+            </a:r>
+            <a:endParaRPr kumimoji="1" lang="ja-JP" altLang="en-US" baseline="30000" dirty="0"/>
+          </a:p>
+        </p:txBody>
+      </p:sp>
+      <p:sp>
+        <p:nvSpPr>
+          <p:cNvPr id="7" name="テキスト ボックス 6"/>
+          <p:cNvSpPr txBox="1"/>
+          <p:nvPr/>
+        </p:nvSpPr>
+        <p:spPr>
+          <a:xfrm>
+            <a:off x="5076056" y="3933056"/>
+            <a:ext cx="2952328" cy="1938992"/>
+          </a:xfrm>
+          <a:prstGeom prst="rect">
+            <a:avLst/>
+          </a:prstGeom>
+          <a:noFill/>
+        </p:spPr>
+        <p:txBody>
+          <a:bodyPr wrap="square" rtlCol="0">
+            <a:spAutoFit/>
+          </a:bodyPr>
+          <a:lstStyle/>
+          <a:p>
+            <a:r>
+              <a:rPr kumimoji="1" lang="en-US" altLang="ja-JP" dirty="0" smtClean="0"/>
+              <a:t>Error</a:t>
+            </a:r>
+            <a:r>
+              <a:rPr lang="ja-JP" altLang="en-US" dirty="0" smtClean="0"/>
+              <a:t> </a:t>
+            </a:r>
+            <a:r>
+              <a:rPr kumimoji="1" lang="ja-JP" altLang="en-US" dirty="0" smtClean="0"/>
+              <a:t>∝ </a:t>
+            </a:r>
+            <a:r>
+              <a:rPr kumimoji="1" lang="en-US" altLang="ja-JP" dirty="0" smtClean="0"/>
+              <a:t>Nnz</a:t>
+            </a:r>
+            <a:r>
+              <a:rPr lang="en-US" altLang="ja-JP" baseline="30000" dirty="0" smtClean="0"/>
+              <a:t>1/2</a:t>
+            </a:r>
+            <a:r>
+              <a:rPr kumimoji="1" lang="en-US" altLang="ja-JP" dirty="0" smtClean="0"/>
+              <a:t>       -- h, p</a:t>
+            </a:r>
+          </a:p>
+          <a:p>
+            <a:endParaRPr lang="en-US" altLang="ja-JP" dirty="0" smtClean="0"/>
+          </a:p>
+          <a:p>
+            <a:r>
+              <a:rPr lang="en-US" altLang="ja-JP" dirty="0" smtClean="0"/>
+              <a:t>Error(h) =〜2 Error(p)</a:t>
+            </a:r>
+            <a:r>
+              <a:rPr lang="ja-JP" altLang="en-US" dirty="0" smtClean="0"/>
+              <a:t>　</a:t>
+            </a:r>
+            <a:r>
+              <a:rPr lang="en-US" altLang="ja-JP" dirty="0" smtClean="0"/>
+              <a:t>– Bz0</a:t>
+            </a:r>
+          </a:p>
+          <a:p>
+            <a:r>
+              <a:rPr lang="en-US" altLang="ja-JP" dirty="0" smtClean="0"/>
+              <a:t>Error(h) =〜4 Error(p)</a:t>
+            </a:r>
+            <a:r>
+              <a:rPr lang="ja-JP" altLang="en-US" dirty="0" smtClean="0"/>
+              <a:t>　</a:t>
+            </a:r>
+            <a:r>
+              <a:rPr lang="en-US" altLang="ja-JP" dirty="0" smtClean="0"/>
+              <a:t>– Wm </a:t>
+            </a:r>
+          </a:p>
+          <a:p>
+            <a:r>
+              <a:rPr lang="en-US" altLang="ja-JP" dirty="0" smtClean="0"/>
+              <a:t> </a:t>
+            </a:r>
+            <a:endParaRPr kumimoji="1" lang="en-US" altLang="ja-JP" dirty="0" smtClean="0"/>
+          </a:p>
+          <a:p>
+            <a:r>
+              <a:rPr lang="ja-JP" altLang="en-US" dirty="0" smtClean="0"/>
+              <a:t>          </a:t>
+            </a:r>
+            <a:endParaRPr kumimoji="1" lang="en-US" altLang="ja-JP" dirty="0" smtClean="0"/>
+          </a:p>
+          <a:p>
+            <a:r>
+              <a:rPr lang="en-US" altLang="ja-JP" baseline="30000" dirty="0" smtClean="0"/>
+              <a:t>               </a:t>
+            </a:r>
+            <a:endParaRPr kumimoji="1" lang="ja-JP" altLang="en-US" baseline="30000" dirty="0"/>
+          </a:p>
+        </p:txBody>
+      </p:sp>
+      <p:sp>
+        <p:nvSpPr>
+          <p:cNvPr id="8" name="正方形/長方形 7"/>
+          <p:cNvSpPr/>
+          <p:nvPr/>
+        </p:nvSpPr>
+        <p:spPr>
+          <a:xfrm>
+            <a:off x="5148064" y="2996952"/>
+            <a:ext cx="2016224" cy="646331"/>
+          </a:xfrm>
+          <a:prstGeom prst="rect">
+            <a:avLst/>
+          </a:prstGeom>
+          <a:ln>
+            <a:solidFill>
+              <a:schemeClr val="tx1"/>
+            </a:solidFill>
+          </a:ln>
+        </p:spPr>
+        <p:txBody>
+          <a:bodyPr wrap="square">
+            <a:spAutoFit/>
+          </a:bodyPr>
+          <a:lstStyle/>
+          <a:p>
+            <a:r>
+              <a:rPr lang="en-US" altLang="ja-JP" dirty="0" err="1" smtClean="0"/>
+              <a:t>Nnz</a:t>
+            </a:r>
+            <a:r>
+              <a:rPr lang="ja-JP" altLang="en-US" dirty="0" smtClean="0"/>
+              <a:t>∝ </a:t>
+            </a:r>
+            <a:r>
+              <a:rPr lang="en-US" altLang="ja-JP" dirty="0" smtClean="0"/>
+              <a:t>Ndof</a:t>
+            </a:r>
+            <a:r>
+              <a:rPr lang="en-US" altLang="ja-JP" baseline="30000" dirty="0" smtClean="0"/>
+              <a:t>1/2</a:t>
+            </a:r>
+            <a:r>
+              <a:rPr lang="en-US" altLang="ja-JP" dirty="0" smtClean="0"/>
+              <a:t>  -- h</a:t>
+            </a:r>
+          </a:p>
+          <a:p>
+            <a:r>
+              <a:rPr lang="ja-JP" altLang="en-US" dirty="0" smtClean="0"/>
+              <a:t>       ∝ </a:t>
+            </a:r>
+            <a:r>
+              <a:rPr lang="en-US" altLang="ja-JP" dirty="0" err="1" smtClean="0"/>
+              <a:t>Ndof</a:t>
+            </a:r>
+            <a:r>
+              <a:rPr lang="en-US" altLang="ja-JP" dirty="0" smtClean="0"/>
+              <a:t>      -- p</a:t>
+            </a:r>
+          </a:p>
+        </p:txBody>
+      </p:sp>
+    </p:spTree>
+  </p:cSld>
+  <p:clrMapOvr>
+    <a:masterClrMapping/>
+  </p:clrMapOvr>
+</p:sld>
+</file>
+
+<file path=ppt/slides/slide9.xml><?xml version="1.0" encoding="utf-8"?>
+<p:sld xmlns:a="http://schemas.openxmlformats.org/drawingml/2006/main" xmlns:r="http://schemas.openxmlformats.org/officeDocument/2006/relationships" xmlns:p="http://schemas.openxmlformats.org/presentationml/2006/main">
+  <p:cSld>
+    <p:spTree>
+      <p:nvGrpSpPr>
+        <p:cNvPr id="1" name=""/>
+        <p:cNvGrpSpPr/>
+        <p:nvPr/>
+      </p:nvGrpSpPr>
+      <p:grpSpPr>
+        <a:xfrm>
+          <a:off x="0" y="0"/>
+          <a:ext cx="0" cy="0"/>
+          <a:chOff x="0" y="0"/>
+          <a:chExt cx="0" cy="0"/>
+        </a:xfrm>
+      </p:grpSpPr>
+      <p:sp>
+        <p:nvSpPr>
+          <p:cNvPr id="2" name="タイトル 1"/>
+          <p:cNvSpPr>
+            <a:spLocks noGrp="1"/>
+          </p:cNvSpPr>
+          <p:nvPr>
+            <p:ph type="title"/>
+          </p:nvPr>
+        </p:nvSpPr>
+        <p:spPr/>
+        <p:txBody>
+          <a:bodyPr/>
+          <a:lstStyle/>
+          <a:p>
+            <a:endParaRPr kumimoji="1" lang="ja-JP" altLang="en-US"/>
+          </a:p>
+        </p:txBody>
+      </p:sp>
+      <p:sp>
+        <p:nvSpPr>
+          <p:cNvPr id="8" name="正方形/長方形 7"/>
+          <p:cNvSpPr/>
+          <p:nvPr/>
+        </p:nvSpPr>
+        <p:spPr>
+          <a:xfrm>
+            <a:off x="5004048" y="2420888"/>
+            <a:ext cx="3059427" cy="646331"/>
           </a:xfrm>
           <a:prstGeom prst="rect">
             <a:avLst/>
@@ -7753,67 +9967,77 @@
           </a:bodyPr>
           <a:lstStyle/>
           <a:p>
-            <a:pPr fontAlgn="ctr"/>
-            <a:r>
-              <a:rPr lang="en-US" altLang="ja-JP" sz="1200" b="1" i="0" u="none" strike="noStrike" dirty="0" err="1" smtClean="0">
-                <a:solidFill>
-                  <a:srgbClr val="000000"/>
-                </a:solidFill>
-                <a:latin typeface="ＭＳ Ｐゴシック"/>
-              </a:rPr>
-              <a:t>Bz</a:t>
-            </a:r>
-            <a:r>
-              <a:rPr lang="en-US" altLang="ja-JP" sz="1200" b="1" i="0" u="none" strike="noStrike" dirty="0" smtClean="0">
-                <a:solidFill>
-                  <a:srgbClr val="000000"/>
-                </a:solidFill>
-                <a:latin typeface="ＭＳ Ｐゴシック"/>
-              </a:rPr>
-              <a:t>*(T): </a:t>
-            </a:r>
-            <a:r>
-              <a:rPr lang="en-US" altLang="ja-JP" sz="1200" b="1" i="0" u="none" strike="noStrike" dirty="0" err="1" smtClean="0">
-                <a:solidFill>
-                  <a:srgbClr val="000000"/>
-                </a:solidFill>
-                <a:latin typeface="ＭＳ Ｐゴシック"/>
-              </a:rPr>
-              <a:t>Bz</a:t>
-            </a:r>
-            <a:r>
-              <a:rPr lang="en-US" altLang="ja-JP" sz="1200" b="1" i="0" u="none" strike="noStrike" dirty="0" smtClean="0">
-                <a:solidFill>
-                  <a:srgbClr val="000000"/>
-                </a:solidFill>
-                <a:latin typeface="ＭＳ Ｐゴシック"/>
-              </a:rPr>
-              <a:t> at cube center  (0,0,0)</a:t>
-            </a:r>
-          </a:p>
-          <a:p>
-            <a:pPr fontAlgn="ctr"/>
-            <a:r>
-              <a:rPr lang="en-US" altLang="ja-JP" sz="1200" b="1" i="0" u="none" strike="noStrike" dirty="0" smtClean="0">
-                <a:solidFill>
-                  <a:srgbClr val="000000"/>
-                </a:solidFill>
-                <a:latin typeface="ＭＳ Ｐゴシック"/>
-              </a:rPr>
-              <a:t>Wm**(J): Magnetic energy in the cube</a:t>
-            </a:r>
-          </a:p>
-          <a:p>
-            <a:pPr algn="ctr" fontAlgn="ctr"/>
-            <a:endParaRPr lang="en-US" altLang="ja-JP" b="1" i="0" u="none" strike="noStrike" dirty="0">
-              <a:solidFill>
-                <a:srgbClr val="000000"/>
-              </a:solidFill>
-              <a:latin typeface="ＭＳ Ｐゴシック"/>
-            </a:endParaRPr>
-          </a:p>
-        </p:txBody>
-      </p:sp>
+            <a:r>
+              <a:rPr lang="en-US" altLang="ja-JP" dirty="0" smtClean="0"/>
+              <a:t>Error(Ω-</a:t>
+            </a:r>
+            <a:r>
+              <a:rPr lang="en-US" altLang="ja-JP" dirty="0" err="1" smtClean="0"/>
+              <a:t>Ωr</a:t>
+            </a:r>
+            <a:r>
+              <a:rPr lang="en-US" altLang="ja-JP" dirty="0" smtClean="0"/>
+              <a:t>) </a:t>
+            </a:r>
+            <a:r>
+              <a:rPr lang="ja-JP" altLang="en-US" dirty="0" smtClean="0"/>
+              <a:t>　</a:t>
+            </a:r>
+            <a:r>
+              <a:rPr lang="en-US" altLang="ja-JP" dirty="0" smtClean="0"/>
+              <a:t>= 〜2 Error(A-</a:t>
+            </a:r>
+            <a:r>
+              <a:rPr lang="en-US" altLang="ja-JP" dirty="0" err="1" smtClean="0"/>
+              <a:t>Ar</a:t>
+            </a:r>
+            <a:r>
+              <a:rPr lang="en-US" altLang="ja-JP" dirty="0" smtClean="0"/>
+              <a:t>)</a:t>
+            </a:r>
+          </a:p>
+          <a:p>
+            <a:r>
+              <a:rPr lang="en-US" altLang="ja-JP" dirty="0" smtClean="0"/>
+              <a:t>	for same h, p</a:t>
+            </a:r>
+            <a:endParaRPr lang="ja-JP" altLang="en-US" dirty="0"/>
+          </a:p>
+        </p:txBody>
+      </p:sp>
+      <p:pic>
+        <p:nvPicPr>
+          <p:cNvPr id="21510" name="Picture 6"/>
+          <p:cNvPicPr>
+            <a:picLocks noChangeAspect="1" noChangeArrowheads="1"/>
+          </p:cNvPicPr>
+          <p:nvPr/>
+        </p:nvPicPr>
+        <p:blipFill>
+          <a:blip r:embed="rId2" cstate="print"/>
+          <a:srcRect/>
+          <a:stretch>
+            <a:fillRect/>
+          </a:stretch>
+        </p:blipFill>
+        <p:spPr bwMode="auto">
+          <a:xfrm>
+            <a:off x="1115616" y="1700808"/>
+            <a:ext cx="3840163" cy="2914650"/>
+          </a:xfrm>
+          <a:prstGeom prst="rect">
+            <a:avLst/>
+          </a:prstGeom>
+          <a:noFill/>
+          <a:ln w="9525">
+            <a:noFill/>
+            <a:miter lim="800000"/>
+            <a:headEnd/>
+            <a:tailEnd/>
+          </a:ln>
+          <a:effectLst/>
+        </p:spPr>
+      </p:pic>
     </p:spTree>
   </p:cSld>
   <p:clrMapOvr>
